--- a/SS12WebStories.pptx
+++ b/SS12WebStories.pptx
@@ -2,15 +2,16 @@
 <file path=ppt/presentation.xml><?xml version="1.0" encoding="utf-8"?>
 <p:presentation xmlns:a="http://schemas.openxmlformats.org/drawingml/2006/main" xmlns:r="http://schemas.openxmlformats.org/officeDocument/2006/relationships" xmlns:p="http://schemas.openxmlformats.org/presentationml/2006/main" saveSubsetFonts="1">
   <p:sldMasterIdLst>
-    <p:sldMasterId id="2147483648" r:id="rId1"/>
+    <p:sldMasterId id="2147483685" r:id="rId1"/>
   </p:sldMasterIdLst>
   <p:sldIdLst>
     <p:sldId id="256" r:id="rId2"/>
     <p:sldId id="257" r:id="rId3"/>
-    <p:sldId id="258" r:id="rId4"/>
-    <p:sldId id="260" r:id="rId5"/>
-    <p:sldId id="261" r:id="rId6"/>
-    <p:sldId id="259" r:id="rId7"/>
+    <p:sldId id="262" r:id="rId4"/>
+    <p:sldId id="258" r:id="rId5"/>
+    <p:sldId id="260" r:id="rId6"/>
+    <p:sldId id="261" r:id="rId7"/>
+    <p:sldId id="259" r:id="rId8"/>
   </p:sldIdLst>
   <p:sldSz cx="9144000" cy="6858000" type="screen4x3"/>
   <p:notesSz cx="6858000" cy="9144000"/>
@@ -115,6 +116,11 @@
 <file path=ppt/slideLayouts/slideLayout1.xml><?xml version="1.0" encoding="utf-8"?>
 <p:sldLayout xmlns:a="http://schemas.openxmlformats.org/drawingml/2006/main" xmlns:r="http://schemas.openxmlformats.org/officeDocument/2006/relationships" xmlns:p="http://schemas.openxmlformats.org/presentationml/2006/main" type="title" preserve="1">
   <p:cSld name="Title Slide">
+    <p:bg>
+      <p:bgRef idx="1003">
+        <a:schemeClr val="bg2"/>
+      </p:bgRef>
+    </p:bg>
     <p:spTree>
       <p:nvGrpSpPr>
         <p:cNvPr id="1" name=""/>
@@ -141,19 +147,44 @@
         </p:nvSpPr>
         <p:spPr>
           <a:xfrm>
-            <a:off x="685800" y="2130425"/>
+            <a:off x="685800" y="1627094"/>
             <a:ext cx="7772400" cy="1470025"/>
           </a:xfrm>
         </p:spPr>
         <p:txBody>
-          <a:bodyPr/>
-          <a:lstStyle/>
+          <a:bodyPr anchor="b" anchorCtr="0"/>
+          <a:lstStyle>
+            <a:lvl1pPr>
+              <a:defRPr sz="5400">
+                <a:gradFill>
+                  <a:gsLst>
+                    <a:gs pos="0">
+                      <a:schemeClr val="tx2"/>
+                    </a:gs>
+                    <a:gs pos="100000">
+                      <a:schemeClr val="tx2">
+                        <a:lumMod val="75000"/>
+                      </a:schemeClr>
+                    </a:gs>
+                  </a:gsLst>
+                  <a:lin ang="5400000" scaled="0"/>
+                </a:gradFill>
+                <a:effectLst>
+                  <a:outerShdw blurRad="50800" dist="25400" dir="5400000" algn="t" rotWithShape="0">
+                    <a:prstClr val="black">
+                      <a:alpha val="40000"/>
+                    </a:prstClr>
+                  </a:outerShdw>
+                </a:effectLst>
+              </a:defRPr>
+            </a:lvl1pPr>
+          </a:lstStyle>
           <a:p>
             <a:r>
               <a:rPr lang="en-US" smtClean="0"/>
               <a:t>Click to edit Master title style</a:t>
             </a:r>
-            <a:endParaRPr lang="en-US"/>
+            <a:endParaRPr/>
           </a:p>
         </p:txBody>
       </p:sp>
@@ -169,21 +200,41 @@
         </p:nvSpPr>
         <p:spPr>
           <a:xfrm>
-            <a:off x="1371600" y="3886200"/>
-            <a:ext cx="6400800" cy="1752600"/>
+            <a:off x="685801" y="3810000"/>
+            <a:ext cx="7770812" cy="1752600"/>
           </a:xfrm>
         </p:spPr>
         <p:txBody>
-          <a:bodyPr/>
+          <a:bodyPr>
+            <a:normAutofit/>
+          </a:bodyPr>
           <a:lstStyle>
             <a:lvl1pPr marL="0" indent="0" algn="ctr">
-              <a:buNone/>
-              <a:defRPr>
-                <a:solidFill>
-                  <a:schemeClr val="tx1">
-                    <a:tint val="75000"/>
-                  </a:schemeClr>
-                </a:solidFill>
+              <a:spcBef>
+                <a:spcPts val="300"/>
+              </a:spcBef>
+              <a:buNone/>
+              <a:defRPr sz="1600">
+                <a:gradFill>
+                  <a:gsLst>
+                    <a:gs pos="0">
+                      <a:schemeClr val="tx2"/>
+                    </a:gs>
+                    <a:gs pos="100000">
+                      <a:schemeClr val="tx2">
+                        <a:lumMod val="75000"/>
+                      </a:schemeClr>
+                    </a:gs>
+                  </a:gsLst>
+                  <a:lin ang="5400000" scaled="0"/>
+                </a:gradFill>
+                <a:effectLst>
+                  <a:outerShdw blurRad="50800" dist="38100" dir="5400000" algn="t" rotWithShape="0">
+                    <a:prstClr val="black">
+                      <a:alpha val="40000"/>
+                    </a:prstClr>
+                  </a:outerShdw>
+                </a:effectLst>
               </a:defRPr>
             </a:lvl1pPr>
             <a:lvl2pPr marL="457200" indent="0" algn="ctr">
@@ -272,7 +323,7 @@
               <a:rPr lang="en-US" smtClean="0"/>
               <a:t>Click to edit Master subtitle style</a:t>
             </a:r>
-            <a:endParaRPr lang="en-US"/>
+            <a:endParaRPr/>
           </a:p>
         </p:txBody>
       </p:sp>
@@ -293,7 +344,7 @@
           <a:p>
             <a:fld id="{AA821725-BCEF-476B-9B10-FFE64A06E43D}" type="datetimeFigureOut">
               <a:rPr lang="en-US" smtClean="0"/>
-              <a:t>1/15/2012</a:t>
+              <a:t>1/15/12</a:t>
             </a:fld>
             <a:endParaRPr lang="en-US"/>
           </a:p>
@@ -318,9 +369,322 @@
           </a:p>
         </p:txBody>
       </p:sp>
-      <p:sp>
-        <p:nvSpPr>
-          <p:cNvPr id="6" name="Slide Number Placeholder 5"/>
+      <p:pic>
+        <p:nvPicPr>
+          <p:cNvPr id="7" name="Picture 6" descr="CoverGlyph.png"/>
+          <p:cNvPicPr>
+            <a:picLocks noChangeAspect="1"/>
+          </p:cNvPicPr>
+          <p:nvPr/>
+        </p:nvPicPr>
+        <p:blipFill>
+          <a:blip r:embed="rId2"/>
+          <a:stretch>
+            <a:fillRect/>
+          </a:stretch>
+        </p:blipFill>
+        <p:spPr>
+          <a:xfrm>
+            <a:off x="4010025" y="3048000"/>
+            <a:ext cx="1123950" cy="771525"/>
+          </a:xfrm>
+          <a:prstGeom prst="rect">
+            <a:avLst/>
+          </a:prstGeom>
+        </p:spPr>
+      </p:pic>
+    </p:spTree>
+  </p:cSld>
+  <p:clrMapOvr>
+    <a:overrideClrMapping bg1="dk1" tx1="lt1" bg2="dk2" tx2="lt2" accent1="accent1" accent2="accent2" accent3="accent3" accent4="accent4" accent5="accent5" accent6="accent6" hlink="hlink" folHlink="folHlink"/>
+  </p:clrMapOvr>
+</p:sldLayout>
+</file>
+
+<file path=ppt/slideLayouts/slideLayout10.xml><?xml version="1.0" encoding="utf-8"?>
+<p:sldLayout xmlns:a="http://schemas.openxmlformats.org/drawingml/2006/main" xmlns:r="http://schemas.openxmlformats.org/officeDocument/2006/relationships" xmlns:p="http://schemas.openxmlformats.org/presentationml/2006/main" type="picTx" preserve="1">
+  <p:cSld name="Picture above Caption">
+    <p:spTree>
+      <p:nvGrpSpPr>
+        <p:cNvPr id="1" name=""/>
+        <p:cNvGrpSpPr/>
+        <p:nvPr/>
+      </p:nvGrpSpPr>
+      <p:grpSpPr>
+        <a:xfrm>
+          <a:off x="0" y="0"/>
+          <a:ext cx="0" cy="0"/>
+          <a:chOff x="0" y="0"/>
+          <a:chExt cx="0" cy="0"/>
+        </a:xfrm>
+      </p:grpSpPr>
+      <p:sp>
+        <p:nvSpPr>
+          <p:cNvPr id="2" name="Title 1"/>
+          <p:cNvSpPr>
+            <a:spLocks noGrp="1"/>
+          </p:cNvSpPr>
+          <p:nvPr>
+            <p:ph type="title"/>
+          </p:nvPr>
+        </p:nvSpPr>
+        <p:spPr>
+          <a:xfrm>
+            <a:off x="685800" y="3738282"/>
+            <a:ext cx="7770813" cy="1048870"/>
+          </a:xfrm>
+          <a:effectLst/>
+        </p:spPr>
+        <p:txBody>
+          <a:bodyPr vert="horz" lIns="91440" tIns="45720" rIns="91440" bIns="45720" rtlCol="0" anchor="b" anchorCtr="0">
+            <a:noAutofit/>
+          </a:bodyPr>
+          <a:lstStyle>
+            <a:lvl1pPr algn="ctr" defTabSz="914400" rtl="0" eaLnBrk="1" latinLnBrk="0" hangingPunct="1">
+              <a:spcBef>
+                <a:spcPct val="0"/>
+              </a:spcBef>
+              <a:buNone/>
+              <a:defRPr sz="3800" b="0" kern="1200">
+                <a:solidFill>
+                  <a:schemeClr val="tx2"/>
+                </a:solidFill>
+                <a:effectLst>
+                  <a:outerShdw blurRad="38100" dist="12700" algn="l" rotWithShape="0">
+                    <a:prstClr val="black">
+                      <a:alpha val="40000"/>
+                    </a:prstClr>
+                  </a:outerShdw>
+                </a:effectLst>
+                <a:latin typeface="+mj-lt"/>
+                <a:ea typeface="+mj-ea"/>
+                <a:cs typeface="+mj-cs"/>
+              </a:defRPr>
+            </a:lvl1pPr>
+          </a:lstStyle>
+          <a:p>
+            <a:r>
+              <a:rPr lang="en-US" smtClean="0"/>
+              <a:t>Click to edit Master title style</a:t>
+            </a:r>
+            <a:endParaRPr/>
+          </a:p>
+        </p:txBody>
+      </p:sp>
+      <p:sp>
+        <p:nvSpPr>
+          <p:cNvPr id="3" name="Picture Placeholder 2"/>
+          <p:cNvSpPr>
+            <a:spLocks noGrp="1"/>
+          </p:cNvSpPr>
+          <p:nvPr>
+            <p:ph type="pic" idx="1"/>
+          </p:nvPr>
+        </p:nvSpPr>
+        <p:spPr>
+          <a:xfrm>
+            <a:off x="2286000" y="457200"/>
+            <a:ext cx="4572000" cy="3173506"/>
+          </a:xfrm>
+          <a:ln w="101600">
+            <a:solidFill>
+              <a:schemeClr val="tx1"/>
+            </a:solidFill>
+            <a:miter lim="800000"/>
+          </a:ln>
+          <a:effectLst>
+            <a:outerShdw blurRad="50800" dist="38100" dir="2700000" algn="tl" rotWithShape="0">
+              <a:prstClr val="black">
+                <a:alpha val="40000"/>
+              </a:prstClr>
+            </a:outerShdw>
+          </a:effectLst>
+        </p:spPr>
+        <p:txBody>
+          <a:bodyPr>
+            <a:normAutofit/>
+          </a:bodyPr>
+          <a:lstStyle>
+            <a:lvl1pPr marL="0" indent="0">
+              <a:buNone/>
+              <a:defRPr sz="2000"/>
+            </a:lvl1pPr>
+            <a:lvl2pPr marL="457200" indent="0">
+              <a:buNone/>
+              <a:defRPr sz="2800"/>
+            </a:lvl2pPr>
+            <a:lvl3pPr marL="914400" indent="0">
+              <a:buNone/>
+              <a:defRPr sz="2400"/>
+            </a:lvl3pPr>
+            <a:lvl4pPr marL="1371600" indent="0">
+              <a:buNone/>
+              <a:defRPr sz="2000"/>
+            </a:lvl4pPr>
+            <a:lvl5pPr marL="1828800" indent="0">
+              <a:buNone/>
+              <a:defRPr sz="2000"/>
+            </a:lvl5pPr>
+            <a:lvl6pPr marL="2286000" indent="0">
+              <a:buNone/>
+              <a:defRPr sz="2000"/>
+            </a:lvl6pPr>
+            <a:lvl7pPr marL="2743200" indent="0">
+              <a:buNone/>
+              <a:defRPr sz="2000"/>
+            </a:lvl7pPr>
+            <a:lvl8pPr marL="3200400" indent="0">
+              <a:buNone/>
+              <a:defRPr sz="2000"/>
+            </a:lvl8pPr>
+            <a:lvl9pPr marL="3657600" indent="0">
+              <a:buNone/>
+              <a:defRPr sz="2000"/>
+            </a:lvl9pPr>
+          </a:lstStyle>
+          <a:p>
+            <a:r>
+              <a:rPr lang="en-US" smtClean="0"/>
+              <a:t>Drag picture to placeholder or click icon to add</a:t>
+            </a:r>
+            <a:endParaRPr/>
+          </a:p>
+        </p:txBody>
+      </p:sp>
+      <p:sp>
+        <p:nvSpPr>
+          <p:cNvPr id="4" name="Text Placeholder 3"/>
+          <p:cNvSpPr>
+            <a:spLocks noGrp="1"/>
+          </p:cNvSpPr>
+          <p:nvPr>
+            <p:ph type="body" sz="half" idx="2"/>
+          </p:nvPr>
+        </p:nvSpPr>
+        <p:spPr>
+          <a:xfrm>
+            <a:off x="685800" y="5181600"/>
+            <a:ext cx="7770813" cy="685800"/>
+          </a:xfrm>
+        </p:spPr>
+        <p:txBody>
+          <a:bodyPr vert="horz" lIns="91440" tIns="45720" rIns="91440" bIns="45720" rtlCol="0">
+            <a:normAutofit/>
+          </a:bodyPr>
+          <a:lstStyle>
+            <a:lvl1pPr marL="0" indent="0" algn="ctr">
+              <a:spcBef>
+                <a:spcPts val="300"/>
+              </a:spcBef>
+              <a:buNone/>
+              <a:defRPr sz="1800" kern="1200">
+                <a:solidFill>
+                  <a:schemeClr val="tx2"/>
+                </a:solidFill>
+                <a:latin typeface="+mn-lt"/>
+                <a:ea typeface="+mn-ea"/>
+                <a:cs typeface="+mn-cs"/>
+              </a:defRPr>
+            </a:lvl1pPr>
+            <a:lvl2pPr marL="457200" indent="0">
+              <a:buNone/>
+              <a:defRPr sz="1200"/>
+            </a:lvl2pPr>
+            <a:lvl3pPr marL="914400" indent="0">
+              <a:buNone/>
+              <a:defRPr sz="1000"/>
+            </a:lvl3pPr>
+            <a:lvl4pPr marL="1371600" indent="0">
+              <a:buNone/>
+              <a:defRPr sz="900"/>
+            </a:lvl4pPr>
+            <a:lvl5pPr marL="1828800" indent="0">
+              <a:buNone/>
+              <a:defRPr sz="900"/>
+            </a:lvl5pPr>
+            <a:lvl6pPr marL="2286000" indent="0">
+              <a:buNone/>
+              <a:defRPr sz="900"/>
+            </a:lvl6pPr>
+            <a:lvl7pPr marL="2743200" indent="0">
+              <a:buNone/>
+              <a:defRPr sz="900"/>
+            </a:lvl7pPr>
+            <a:lvl8pPr marL="3200400" indent="0">
+              <a:buNone/>
+              <a:defRPr sz="900"/>
+            </a:lvl8pPr>
+            <a:lvl9pPr marL="3657600" indent="0">
+              <a:buNone/>
+              <a:defRPr sz="900"/>
+            </a:lvl9pPr>
+          </a:lstStyle>
+          <a:p>
+            <a:pPr marL="0" lvl="0" indent="0" algn="ctr" defTabSz="914400" rtl="0" eaLnBrk="1" latinLnBrk="0" hangingPunct="1">
+              <a:lnSpc>
+                <a:spcPct val="110000"/>
+              </a:lnSpc>
+              <a:spcBef>
+                <a:spcPts val="2000"/>
+              </a:spcBef>
+              <a:buClr>
+                <a:schemeClr val="accent3"/>
+              </a:buClr>
+              <a:buFont typeface="Wingdings" pitchFamily="2" charset="2"/>
+              <a:buNone/>
+            </a:pPr>
+            <a:r>
+              <a:rPr lang="en-US" smtClean="0"/>
+              <a:t>Click to edit Master text styles</a:t>
+            </a:r>
+          </a:p>
+        </p:txBody>
+      </p:sp>
+      <p:sp>
+        <p:nvSpPr>
+          <p:cNvPr id="5" name="Date Placeholder 4"/>
+          <p:cNvSpPr>
+            <a:spLocks noGrp="1"/>
+          </p:cNvSpPr>
+          <p:nvPr>
+            <p:ph type="dt" sz="half" idx="10"/>
+          </p:nvPr>
+        </p:nvSpPr>
+        <p:spPr/>
+        <p:txBody>
+          <a:bodyPr/>
+          <a:lstStyle/>
+          <a:p>
+            <a:fld id="{AA821725-BCEF-476B-9B10-FFE64A06E43D}" type="datetimeFigureOut">
+              <a:rPr lang="en-US" smtClean="0"/>
+              <a:t>1/15/12</a:t>
+            </a:fld>
+            <a:endParaRPr lang="en-US"/>
+          </a:p>
+        </p:txBody>
+      </p:sp>
+      <p:sp>
+        <p:nvSpPr>
+          <p:cNvPr id="6" name="Footer Placeholder 5"/>
+          <p:cNvSpPr>
+            <a:spLocks noGrp="1"/>
+          </p:cNvSpPr>
+          <p:nvPr>
+            <p:ph type="ftr" sz="quarter" idx="11"/>
+          </p:nvPr>
+        </p:nvSpPr>
+        <p:spPr/>
+        <p:txBody>
+          <a:bodyPr/>
+          <a:lstStyle/>
+          <a:p>
+            <a:endParaRPr lang="en-US"/>
+          </a:p>
+        </p:txBody>
+      </p:sp>
+      <p:sp>
+        <p:nvSpPr>
+          <p:cNvPr id="7" name="Slide Number Placeholder 6"/>
           <p:cNvSpPr>
             <a:spLocks noGrp="1"/>
           </p:cNvSpPr>
@@ -341,6 +705,32 @@
           </a:p>
         </p:txBody>
       </p:sp>
+      <p:pic>
+        <p:nvPicPr>
+          <p:cNvPr id="11" name="Picture 2" descr="HR-Glyph-R3.png"/>
+          <p:cNvPicPr>
+            <a:picLocks noChangeAspect="1" noChangeArrowheads="1"/>
+          </p:cNvPicPr>
+          <p:nvPr/>
+        </p:nvPicPr>
+        <p:blipFill>
+          <a:blip r:embed="rId2" cstate="print"/>
+          <a:srcRect/>
+          <a:stretch>
+            <a:fillRect/>
+          </a:stretch>
+        </p:blipFill>
+        <p:spPr bwMode="auto">
+          <a:xfrm>
+            <a:off x="3749040" y="4890247"/>
+            <a:ext cx="1645920" cy="170411"/>
+          </a:xfrm>
+          <a:prstGeom prst="rect">
+            <a:avLst/>
+          </a:prstGeom>
+          <a:noFill/>
+        </p:spPr>
+      </p:pic>
     </p:spTree>
   </p:cSld>
   <p:clrMapOvr>
@@ -349,7 +739,7 @@
 </p:sldLayout>
 </file>
 
-<file path=ppt/slideLayouts/slideLayout10.xml><?xml version="1.0" encoding="utf-8"?>
+<file path=ppt/slideLayouts/slideLayout11.xml><?xml version="1.0" encoding="utf-8"?>
 <p:sldLayout xmlns:a="http://schemas.openxmlformats.org/drawingml/2006/main" xmlns:r="http://schemas.openxmlformats.org/officeDocument/2006/relationships" xmlns:p="http://schemas.openxmlformats.org/presentationml/2006/main" type="vertTx" preserve="1">
   <p:cSld name="Title and Vertical Text">
     <p:spTree>
@@ -385,7 +775,7 @@
               <a:rPr lang="en-US" smtClean="0"/>
               <a:t>Click to edit Master title style</a:t>
             </a:r>
-            <a:endParaRPr lang="en-US"/>
+            <a:endParaRPr/>
           </a:p>
         </p:txBody>
       </p:sp>
@@ -402,7 +792,23 @@
         <p:spPr/>
         <p:txBody>
           <a:bodyPr vert="eaVert"/>
-          <a:lstStyle/>
+          <a:lstStyle>
+            <a:lvl5pPr>
+              <a:defRPr/>
+            </a:lvl5pPr>
+            <a:lvl6pPr marL="2286000" indent="-457200">
+              <a:defRPr/>
+            </a:lvl6pPr>
+            <a:lvl7pPr marL="2286000" indent="-457200">
+              <a:defRPr/>
+            </a:lvl7pPr>
+            <a:lvl8pPr marL="2286000" indent="-457200">
+              <a:defRPr/>
+            </a:lvl8pPr>
+            <a:lvl9pPr marL="2286000" indent="-457200">
+              <a:defRPr/>
+            </a:lvl9pPr>
+          </a:lstStyle>
           <a:p>
             <a:pPr lvl="0"/>
             <a:r>
@@ -437,7 +843,7 @@
               <a:rPr lang="en-US" smtClean="0"/>
               <a:t>Fifth level</a:t>
             </a:r>
-            <a:endParaRPr lang="en-US"/>
+            <a:endParaRPr dirty="0"/>
           </a:p>
         </p:txBody>
       </p:sp>
@@ -458,7 +864,7 @@
           <a:p>
             <a:fld id="{AA821725-BCEF-476B-9B10-FFE64A06E43D}" type="datetimeFigureOut">
               <a:rPr lang="en-US" smtClean="0"/>
-              <a:t>1/15/2012</a:t>
+              <a:t>1/15/12</a:t>
             </a:fld>
             <a:endParaRPr lang="en-US"/>
           </a:p>
@@ -506,6 +912,32 @@
           </a:p>
         </p:txBody>
       </p:sp>
+      <p:pic>
+        <p:nvPicPr>
+          <p:cNvPr id="10" name="Picture 2" descr="HR-Glyph-R3.png"/>
+          <p:cNvPicPr>
+            <a:picLocks noChangeAspect="1" noChangeArrowheads="1"/>
+          </p:cNvPicPr>
+          <p:nvPr/>
+        </p:nvPicPr>
+        <p:blipFill>
+          <a:blip r:embed="rId2" cstate="print"/>
+          <a:srcRect/>
+          <a:stretch>
+            <a:fillRect/>
+          </a:stretch>
+        </p:blipFill>
+        <p:spPr bwMode="auto">
+          <a:xfrm>
+            <a:off x="3749040" y="1658992"/>
+            <a:ext cx="1645920" cy="170411"/>
+          </a:xfrm>
+          <a:prstGeom prst="rect">
+            <a:avLst/>
+          </a:prstGeom>
+          <a:noFill/>
+        </p:spPr>
+      </p:pic>
     </p:spTree>
   </p:cSld>
   <p:clrMapOvr>
@@ -514,7 +946,7 @@
 </p:sldLayout>
 </file>
 
-<file path=ppt/slideLayouts/slideLayout11.xml><?xml version="1.0" encoding="utf-8"?>
+<file path=ppt/slideLayouts/slideLayout12.xml><?xml version="1.0" encoding="utf-8"?>
 <p:sldLayout xmlns:a="http://schemas.openxmlformats.org/drawingml/2006/main" xmlns:r="http://schemas.openxmlformats.org/officeDocument/2006/relationships" xmlns:p="http://schemas.openxmlformats.org/presentationml/2006/main" type="vertTitleAndTx" preserve="1">
   <p:cSld name="Vertical Title and Text">
     <p:spTree>
@@ -543,8 +975,8 @@
         </p:nvSpPr>
         <p:spPr>
           <a:xfrm>
-            <a:off x="6629400" y="274638"/>
-            <a:ext cx="2057400" cy="5851525"/>
+            <a:off x="7162800" y="537882"/>
+            <a:ext cx="1524000" cy="5325036"/>
           </a:xfrm>
         </p:spPr>
         <p:txBody>
@@ -555,7 +987,7 @@
               <a:rPr lang="en-US" smtClean="0"/>
               <a:t>Click to edit Master title style</a:t>
             </a:r>
-            <a:endParaRPr lang="en-US"/>
+            <a:endParaRPr/>
           </a:p>
         </p:txBody>
       </p:sp>
@@ -571,13 +1003,17 @@
         </p:nvSpPr>
         <p:spPr>
           <a:xfrm>
-            <a:off x="457200" y="274638"/>
-            <a:ext cx="6019800" cy="5851525"/>
+            <a:off x="685800" y="537882"/>
+            <a:ext cx="5889812" cy="5325036"/>
           </a:xfrm>
         </p:spPr>
         <p:txBody>
           <a:bodyPr vert="eaVert"/>
-          <a:lstStyle/>
+          <a:lstStyle>
+            <a:lvl5pPr>
+              <a:defRPr/>
+            </a:lvl5pPr>
+          </a:lstStyle>
           <a:p>
             <a:pPr lvl="0"/>
             <a:r>
@@ -612,7 +1048,7 @@
               <a:rPr lang="en-US" smtClean="0"/>
               <a:t>Fifth level</a:t>
             </a:r>
-            <a:endParaRPr lang="en-US"/>
+            <a:endParaRPr dirty="0"/>
           </a:p>
         </p:txBody>
       </p:sp>
@@ -633,7 +1069,7 @@
           <a:p>
             <a:fld id="{AA821725-BCEF-476B-9B10-FFE64A06E43D}" type="datetimeFigureOut">
               <a:rPr lang="en-US" smtClean="0"/>
-              <a:t>1/15/2012</a:t>
+              <a:t>1/15/12</a:t>
             </a:fld>
             <a:endParaRPr lang="en-US"/>
           </a:p>
@@ -681,6 +1117,32 @@
           </a:p>
         </p:txBody>
       </p:sp>
+      <p:pic>
+        <p:nvPicPr>
+          <p:cNvPr id="9" name="Picture 2" descr="HR-Glyph-R3.png"/>
+          <p:cNvPicPr>
+            <a:picLocks noChangeAspect="1" noChangeArrowheads="1"/>
+          </p:cNvPicPr>
+          <p:nvPr/>
+        </p:nvPicPr>
+        <p:blipFill>
+          <a:blip r:embed="rId2" cstate="print"/>
+          <a:srcRect/>
+          <a:stretch>
+            <a:fillRect/>
+          </a:stretch>
+        </p:blipFill>
+        <p:spPr bwMode="auto">
+          <a:xfrm rot="5400000">
+            <a:off x="6052928" y="3115195"/>
+            <a:ext cx="1645920" cy="170411"/>
+          </a:xfrm>
+          <a:prstGeom prst="rect">
+            <a:avLst/>
+          </a:prstGeom>
+          <a:noFill/>
+        </p:spPr>
+      </p:pic>
     </p:spTree>
   </p:cSld>
   <p:clrMapOvr>
@@ -725,7 +1187,7 @@
               <a:rPr lang="en-US" smtClean="0"/>
               <a:t>Click to edit Master title style</a:t>
             </a:r>
-            <a:endParaRPr lang="en-US"/>
+            <a:endParaRPr/>
           </a:p>
         </p:txBody>
       </p:sp>
@@ -742,7 +1204,11 @@
         <p:spPr/>
         <p:txBody>
           <a:bodyPr/>
-          <a:lstStyle/>
+          <a:lstStyle>
+            <a:lvl5pPr>
+              <a:defRPr/>
+            </a:lvl5pPr>
+          </a:lstStyle>
           <a:p>
             <a:pPr lvl="0"/>
             <a:r>
@@ -777,7 +1243,7 @@
               <a:rPr lang="en-US" smtClean="0"/>
               <a:t>Fifth level</a:t>
             </a:r>
-            <a:endParaRPr lang="en-US"/>
+            <a:endParaRPr dirty="0"/>
           </a:p>
         </p:txBody>
       </p:sp>
@@ -798,7 +1264,7 @@
           <a:p>
             <a:fld id="{AA821725-BCEF-476B-9B10-FFE64A06E43D}" type="datetimeFigureOut">
               <a:rPr lang="en-US" smtClean="0"/>
-              <a:t>1/15/2012</a:t>
+              <a:t>1/15/12</a:t>
             </a:fld>
             <a:endParaRPr lang="en-US"/>
           </a:p>
@@ -846,6 +1312,32 @@
           </a:p>
         </p:txBody>
       </p:sp>
+      <p:pic>
+        <p:nvPicPr>
+          <p:cNvPr id="8" name="Picture 2" descr="HR-Glyph-R3.png"/>
+          <p:cNvPicPr>
+            <a:picLocks noChangeAspect="1" noChangeArrowheads="1"/>
+          </p:cNvPicPr>
+          <p:nvPr/>
+        </p:nvPicPr>
+        <p:blipFill>
+          <a:blip r:embed="rId2" cstate="print"/>
+          <a:srcRect/>
+          <a:stretch>
+            <a:fillRect/>
+          </a:stretch>
+        </p:blipFill>
+        <p:spPr bwMode="auto">
+          <a:xfrm>
+            <a:off x="3749040" y="1658992"/>
+            <a:ext cx="1645920" cy="170411"/>
+          </a:xfrm>
+          <a:prstGeom prst="rect">
+            <a:avLst/>
+          </a:prstGeom>
+          <a:noFill/>
+        </p:spPr>
+      </p:pic>
     </p:spTree>
   </p:cSld>
   <p:clrMapOvr>
@@ -883,15 +1375,15 @@
         </p:nvSpPr>
         <p:spPr>
           <a:xfrm>
-            <a:off x="722313" y="4406900"/>
-            <a:ext cx="7772400" cy="1362075"/>
+            <a:off x="685800" y="1626440"/>
+            <a:ext cx="7770813" cy="1472184"/>
           </a:xfrm>
         </p:spPr>
         <p:txBody>
-          <a:bodyPr anchor="t"/>
+          <a:bodyPr anchor="b" anchorCtr="0"/>
           <a:lstStyle>
-            <a:lvl1pPr algn="l">
-              <a:defRPr sz="4000" b="1" cap="all"/>
+            <a:lvl1pPr algn="ctr">
+              <a:defRPr sz="5400" b="0" i="0" cap="none" baseline="0"/>
             </a:lvl1pPr>
           </a:lstStyle>
           <a:p>
@@ -899,7 +1391,7 @@
               <a:rPr lang="en-US" smtClean="0"/>
               <a:t>Click to edit Master title style</a:t>
             </a:r>
-            <a:endParaRPr lang="en-US"/>
+            <a:endParaRPr/>
           </a:p>
         </p:txBody>
       </p:sp>
@@ -915,20 +1407,23 @@
         </p:nvSpPr>
         <p:spPr>
           <a:xfrm>
-            <a:off x="722313" y="2906713"/>
-            <a:ext cx="7772400" cy="1500187"/>
+            <a:off x="685800" y="3813048"/>
+            <a:ext cx="7770813" cy="1755648"/>
           </a:xfrm>
         </p:spPr>
         <p:txBody>
-          <a:bodyPr anchor="b"/>
+          <a:bodyPr anchor="t" anchorCtr="0">
+            <a:normAutofit/>
+          </a:bodyPr>
           <a:lstStyle>
-            <a:lvl1pPr marL="0" indent="0">
-              <a:buNone/>
-              <a:defRPr sz="2000">
+            <a:lvl1pPr marL="0" indent="0" algn="ctr">
+              <a:spcBef>
+                <a:spcPts val="300"/>
+              </a:spcBef>
+              <a:buNone/>
+              <a:defRPr sz="1600">
                 <a:solidFill>
-                  <a:schemeClr val="tx1">
-                    <a:tint val="75000"/>
-                  </a:schemeClr>
+                  <a:schemeClr val="tx2"/>
                 </a:solidFill>
               </a:defRPr>
             </a:lvl1pPr>
@@ -1039,7 +1534,7 @@
           <a:p>
             <a:fld id="{AA821725-BCEF-476B-9B10-FFE64A06E43D}" type="datetimeFigureOut">
               <a:rPr lang="en-US" smtClean="0"/>
-              <a:t>1/15/2012</a:t>
+              <a:t>1/15/12</a:t>
             </a:fld>
             <a:endParaRPr lang="en-US"/>
           </a:p>
@@ -1087,6 +1582,30 @@
           </a:p>
         </p:txBody>
       </p:sp>
+      <p:pic>
+        <p:nvPicPr>
+          <p:cNvPr id="7" name="Picture 6" descr="Glyph-SectionHeader.png"/>
+          <p:cNvPicPr>
+            <a:picLocks noChangeAspect="1"/>
+          </p:cNvPicPr>
+          <p:nvPr/>
+        </p:nvPicPr>
+        <p:blipFill>
+          <a:blip r:embed="rId2"/>
+          <a:stretch>
+            <a:fillRect/>
+          </a:stretch>
+        </p:blipFill>
+        <p:spPr>
+          <a:xfrm>
+            <a:off x="4038600" y="3174066"/>
+            <a:ext cx="1066800" cy="590550"/>
+          </a:xfrm>
+          <a:prstGeom prst="rect">
+            <a:avLst/>
+          </a:prstGeom>
+        </p:spPr>
+      </p:pic>
     </p:spTree>
   </p:cSld>
   <p:clrMapOvr>
@@ -1131,7 +1650,7 @@
               <a:rPr lang="en-US" smtClean="0"/>
               <a:t>Click to edit Master title style</a:t>
             </a:r>
-            <a:endParaRPr lang="en-US"/>
+            <a:endParaRPr/>
           </a:p>
         </p:txBody>
       </p:sp>
@@ -1147,21 +1666,23 @@
         </p:nvSpPr>
         <p:spPr>
           <a:xfrm>
-            <a:off x="457200" y="1600200"/>
-            <a:ext cx="4038600" cy="4525963"/>
+            <a:off x="685800" y="2209801"/>
+            <a:ext cx="3657600" cy="3657600"/>
           </a:xfrm>
         </p:spPr>
         <p:txBody>
-          <a:bodyPr/>
+          <a:bodyPr>
+            <a:normAutofit/>
+          </a:bodyPr>
           <a:lstStyle>
             <a:lvl1pPr>
-              <a:defRPr sz="2800"/>
+              <a:defRPr sz="2200"/>
             </a:lvl1pPr>
             <a:lvl2pPr>
-              <a:defRPr sz="2400"/>
+              <a:defRPr sz="2000"/>
             </a:lvl2pPr>
             <a:lvl3pPr>
-              <a:defRPr sz="2000"/>
+              <a:defRPr sz="1800"/>
             </a:lvl3pPr>
             <a:lvl4pPr>
               <a:defRPr sz="1800"/>
@@ -1169,16 +1690,16 @@
             <a:lvl5pPr>
               <a:defRPr sz="1800"/>
             </a:lvl5pPr>
-            <a:lvl6pPr>
+            <a:lvl6pPr marL="2290763" indent="-461963">
               <a:defRPr sz="1800"/>
             </a:lvl6pPr>
-            <a:lvl7pPr>
+            <a:lvl7pPr marL="2290763" indent="-461963">
               <a:defRPr sz="1800"/>
             </a:lvl7pPr>
-            <a:lvl8pPr>
+            <a:lvl8pPr marL="2290763" indent="-461963">
               <a:defRPr sz="1800"/>
             </a:lvl8pPr>
-            <a:lvl9pPr>
+            <a:lvl9pPr marL="2290763" indent="-461963">
               <a:defRPr sz="1800"/>
             </a:lvl9pPr>
           </a:lstStyle>
@@ -1216,7 +1737,7 @@
               <a:rPr lang="en-US" smtClean="0"/>
               <a:t>Fifth level</a:t>
             </a:r>
-            <a:endParaRPr lang="en-US"/>
+            <a:endParaRPr dirty="0"/>
           </a:p>
         </p:txBody>
       </p:sp>
@@ -1232,21 +1753,23 @@
         </p:nvSpPr>
         <p:spPr>
           <a:xfrm>
-            <a:off x="4648200" y="1600200"/>
-            <a:ext cx="4038600" cy="4525963"/>
+            <a:off x="4800600" y="2209801"/>
+            <a:ext cx="3657600" cy="3657600"/>
           </a:xfrm>
         </p:spPr>
         <p:txBody>
-          <a:bodyPr/>
+          <a:bodyPr>
+            <a:normAutofit/>
+          </a:bodyPr>
           <a:lstStyle>
             <a:lvl1pPr>
-              <a:defRPr sz="2800"/>
+              <a:defRPr sz="2200"/>
             </a:lvl1pPr>
             <a:lvl2pPr>
-              <a:defRPr sz="2400"/>
+              <a:defRPr sz="2000"/>
             </a:lvl2pPr>
             <a:lvl3pPr>
-              <a:defRPr sz="2000"/>
+              <a:defRPr sz="1800"/>
             </a:lvl3pPr>
             <a:lvl4pPr>
               <a:defRPr sz="1800"/>
@@ -1254,16 +1777,16 @@
             <a:lvl5pPr>
               <a:defRPr sz="1800"/>
             </a:lvl5pPr>
-            <a:lvl6pPr>
+            <a:lvl6pPr marL="2290763" indent="-461963">
               <a:defRPr sz="1800"/>
             </a:lvl6pPr>
-            <a:lvl7pPr>
+            <a:lvl7pPr marL="2290763" indent="-461963">
               <a:defRPr sz="1800"/>
             </a:lvl7pPr>
-            <a:lvl8pPr>
+            <a:lvl8pPr marL="2290763" indent="-461963">
               <a:defRPr sz="1800"/>
             </a:lvl8pPr>
-            <a:lvl9pPr>
+            <a:lvl9pPr marL="2290763" indent="-461963">
               <a:defRPr sz="1800"/>
             </a:lvl9pPr>
           </a:lstStyle>
@@ -1301,7 +1824,7 @@
               <a:rPr lang="en-US" smtClean="0"/>
               <a:t>Fifth level</a:t>
             </a:r>
-            <a:endParaRPr lang="en-US"/>
+            <a:endParaRPr dirty="0"/>
           </a:p>
         </p:txBody>
       </p:sp>
@@ -1322,7 +1845,7 @@
           <a:p>
             <a:fld id="{AA821725-BCEF-476B-9B10-FFE64A06E43D}" type="datetimeFigureOut">
               <a:rPr lang="en-US" smtClean="0"/>
-              <a:t>1/15/2012</a:t>
+              <a:t>1/15/12</a:t>
             </a:fld>
             <a:endParaRPr lang="en-US"/>
           </a:p>
@@ -1370,6 +1893,32 @@
           </a:p>
         </p:txBody>
       </p:sp>
+      <p:pic>
+        <p:nvPicPr>
+          <p:cNvPr id="9" name="Picture 2" descr="HR-Glyph-R3.png"/>
+          <p:cNvPicPr>
+            <a:picLocks noChangeAspect="1" noChangeArrowheads="1"/>
+          </p:cNvPicPr>
+          <p:nvPr/>
+        </p:nvPicPr>
+        <p:blipFill>
+          <a:blip r:embed="rId2" cstate="print"/>
+          <a:srcRect/>
+          <a:stretch>
+            <a:fillRect/>
+          </a:stretch>
+        </p:blipFill>
+        <p:spPr bwMode="auto">
+          <a:xfrm>
+            <a:off x="3749040" y="1658992"/>
+            <a:ext cx="1645920" cy="170411"/>
+          </a:xfrm>
+          <a:prstGeom prst="rect">
+            <a:avLst/>
+          </a:prstGeom>
+          <a:noFill/>
+        </p:spPr>
+      </p:pic>
     </p:spTree>
   </p:cSld>
   <p:clrMapOvr>
@@ -1418,7 +1967,7 @@
               <a:rPr lang="en-US" smtClean="0"/>
               <a:t>Click to edit Master title style</a:t>
             </a:r>
-            <a:endParaRPr lang="en-US"/>
+            <a:endParaRPr/>
           </a:p>
         </p:txBody>
       </p:sp>
@@ -1434,16 +1983,23 @@
         </p:nvSpPr>
         <p:spPr>
           <a:xfrm>
-            <a:off x="457200" y="1535113"/>
-            <a:ext cx="4040188" cy="639762"/>
+            <a:off x="685800" y="2027238"/>
+            <a:ext cx="3657600" cy="639762"/>
           </a:xfrm>
         </p:spPr>
         <p:txBody>
-          <a:bodyPr anchor="b"/>
+          <a:bodyPr anchor="ctr" anchorCtr="0"/>
           <a:lstStyle>
-            <a:lvl1pPr marL="0" indent="0">
-              <a:buNone/>
-              <a:defRPr sz="2400" b="1"/>
+            <a:lvl1pPr marL="0" indent="0" algn="ctr">
+              <a:spcBef>
+                <a:spcPts val="300"/>
+              </a:spcBef>
+              <a:buNone/>
+              <a:defRPr sz="2400" b="1">
+                <a:solidFill>
+                  <a:schemeClr val="tx2"/>
+                </a:solidFill>
+              </a:defRPr>
             </a:lvl1pPr>
             <a:lvl2pPr marL="457200" indent="0">
               <a:buNone/>
@@ -1499,38 +2055,40 @@
         </p:nvSpPr>
         <p:spPr>
           <a:xfrm>
-            <a:off x="457200" y="2174875"/>
-            <a:ext cx="4040188" cy="3951288"/>
+            <a:off x="685800" y="2819400"/>
+            <a:ext cx="3657600" cy="3048000"/>
           </a:xfrm>
         </p:spPr>
         <p:txBody>
-          <a:bodyPr/>
+          <a:bodyPr>
+            <a:normAutofit/>
+          </a:bodyPr>
           <a:lstStyle>
             <a:lvl1pPr>
-              <a:defRPr sz="2400"/>
+              <a:defRPr sz="2000"/>
             </a:lvl1pPr>
             <a:lvl2pPr>
-              <a:defRPr sz="2000"/>
+              <a:defRPr sz="1800"/>
             </a:lvl2pPr>
             <a:lvl3pPr>
               <a:defRPr sz="1800"/>
             </a:lvl3pPr>
             <a:lvl4pPr>
-              <a:defRPr sz="1600"/>
+              <a:defRPr sz="1800"/>
             </a:lvl4pPr>
             <a:lvl5pPr>
-              <a:defRPr sz="1600"/>
+              <a:defRPr sz="1800"/>
             </a:lvl5pPr>
-            <a:lvl6pPr>
+            <a:lvl6pPr marL="2290763" indent="-461963">
               <a:defRPr sz="1600"/>
             </a:lvl6pPr>
-            <a:lvl7pPr>
+            <a:lvl7pPr marL="2290763" indent="-461963">
               <a:defRPr sz="1600"/>
             </a:lvl7pPr>
-            <a:lvl8pPr>
+            <a:lvl8pPr marL="2290763" indent="-461963">
               <a:defRPr sz="1600"/>
             </a:lvl8pPr>
-            <a:lvl9pPr>
+            <a:lvl9pPr marL="2290763" indent="-461963">
               <a:defRPr sz="1600"/>
             </a:lvl9pPr>
           </a:lstStyle>
@@ -1568,7 +2126,7 @@
               <a:rPr lang="en-US" smtClean="0"/>
               <a:t>Fifth level</a:t>
             </a:r>
-            <a:endParaRPr lang="en-US"/>
+            <a:endParaRPr dirty="0"/>
           </a:p>
         </p:txBody>
       </p:sp>
@@ -1584,16 +2142,23 @@
         </p:nvSpPr>
         <p:spPr>
           <a:xfrm>
-            <a:off x="4645025" y="1535113"/>
-            <a:ext cx="4041775" cy="639762"/>
+            <a:off x="4800600" y="2027238"/>
+            <a:ext cx="3657600" cy="639762"/>
           </a:xfrm>
         </p:spPr>
         <p:txBody>
-          <a:bodyPr anchor="b"/>
+          <a:bodyPr anchor="ctr" anchorCtr="0"/>
           <a:lstStyle>
-            <a:lvl1pPr marL="0" indent="0">
-              <a:buNone/>
-              <a:defRPr sz="2400" b="1"/>
+            <a:lvl1pPr marL="0" indent="0" algn="ctr">
+              <a:spcBef>
+                <a:spcPts val="300"/>
+              </a:spcBef>
+              <a:buNone/>
+              <a:defRPr sz="2400" b="1">
+                <a:solidFill>
+                  <a:schemeClr val="tx2"/>
+                </a:solidFill>
+              </a:defRPr>
             </a:lvl1pPr>
             <a:lvl2pPr marL="457200" indent="0">
               <a:buNone/>
@@ -1649,38 +2214,40 @@
         </p:nvSpPr>
         <p:spPr>
           <a:xfrm>
-            <a:off x="4645025" y="2174875"/>
-            <a:ext cx="4041775" cy="3951288"/>
+            <a:off x="4800600" y="2819400"/>
+            <a:ext cx="3657600" cy="3048000"/>
           </a:xfrm>
         </p:spPr>
         <p:txBody>
-          <a:bodyPr/>
+          <a:bodyPr>
+            <a:normAutofit/>
+          </a:bodyPr>
           <a:lstStyle>
             <a:lvl1pPr>
-              <a:defRPr sz="2400"/>
+              <a:defRPr sz="2000"/>
             </a:lvl1pPr>
             <a:lvl2pPr>
-              <a:defRPr sz="2000"/>
+              <a:defRPr sz="1800"/>
             </a:lvl2pPr>
             <a:lvl3pPr>
               <a:defRPr sz="1800"/>
             </a:lvl3pPr>
             <a:lvl4pPr>
-              <a:defRPr sz="1600"/>
+              <a:defRPr sz="1800"/>
             </a:lvl4pPr>
             <a:lvl5pPr>
-              <a:defRPr sz="1600"/>
+              <a:defRPr sz="1800"/>
             </a:lvl5pPr>
-            <a:lvl6pPr>
+            <a:lvl6pPr marL="2290763" indent="-461963">
               <a:defRPr sz="1600"/>
             </a:lvl6pPr>
-            <a:lvl7pPr>
+            <a:lvl7pPr marL="2290763" indent="-461963">
               <a:defRPr sz="1600"/>
             </a:lvl7pPr>
-            <a:lvl8pPr>
+            <a:lvl8pPr marL="2290763" indent="-461963">
               <a:defRPr sz="1600"/>
             </a:lvl8pPr>
-            <a:lvl9pPr>
+            <a:lvl9pPr marL="2290763" indent="-461963">
               <a:defRPr sz="1600"/>
             </a:lvl9pPr>
           </a:lstStyle>
@@ -1718,7 +2285,7 @@
               <a:rPr lang="en-US" smtClean="0"/>
               <a:t>Fifth level</a:t>
             </a:r>
-            <a:endParaRPr lang="en-US"/>
+            <a:endParaRPr dirty="0"/>
           </a:p>
         </p:txBody>
       </p:sp>
@@ -1739,7 +2306,7 @@
           <a:p>
             <a:fld id="{AA821725-BCEF-476B-9B10-FFE64A06E43D}" type="datetimeFigureOut">
               <a:rPr lang="en-US" smtClean="0"/>
-              <a:t>1/15/2012</a:t>
+              <a:t>1/15/12</a:t>
             </a:fld>
             <a:endParaRPr lang="en-US"/>
           </a:p>
@@ -1787,6 +2354,32 @@
           </a:p>
         </p:txBody>
       </p:sp>
+      <p:pic>
+        <p:nvPicPr>
+          <p:cNvPr id="11" name="Picture 2" descr="HR-Glyph-R3.png"/>
+          <p:cNvPicPr>
+            <a:picLocks noChangeAspect="1" noChangeArrowheads="1"/>
+          </p:cNvPicPr>
+          <p:nvPr/>
+        </p:nvPicPr>
+        <p:blipFill>
+          <a:blip r:embed="rId2" cstate="print"/>
+          <a:srcRect/>
+          <a:stretch>
+            <a:fillRect/>
+          </a:stretch>
+        </p:blipFill>
+        <p:spPr bwMode="auto">
+          <a:xfrm>
+            <a:off x="3749040" y="1658992"/>
+            <a:ext cx="1645920" cy="170411"/>
+          </a:xfrm>
+          <a:prstGeom prst="rect">
+            <a:avLst/>
+          </a:prstGeom>
+          <a:noFill/>
+        </p:spPr>
+      </p:pic>
     </p:spTree>
   </p:cSld>
   <p:clrMapOvr>
@@ -1831,7 +2424,7 @@
               <a:rPr lang="en-US" smtClean="0"/>
               <a:t>Click to edit Master title style</a:t>
             </a:r>
-            <a:endParaRPr lang="en-US"/>
+            <a:endParaRPr/>
           </a:p>
         </p:txBody>
       </p:sp>
@@ -1852,7 +2445,7 @@
           <a:p>
             <a:fld id="{AA821725-BCEF-476B-9B10-FFE64A06E43D}" type="datetimeFigureOut">
               <a:rPr lang="en-US" smtClean="0"/>
-              <a:t>1/15/2012</a:t>
+              <a:t>1/15/12</a:t>
             </a:fld>
             <a:endParaRPr lang="en-US"/>
           </a:p>
@@ -1900,6 +2493,32 @@
           </a:p>
         </p:txBody>
       </p:sp>
+      <p:pic>
+        <p:nvPicPr>
+          <p:cNvPr id="8" name="Picture 2" descr="HR-Glyph-R3.png"/>
+          <p:cNvPicPr>
+            <a:picLocks noChangeAspect="1" noChangeArrowheads="1"/>
+          </p:cNvPicPr>
+          <p:nvPr/>
+        </p:nvPicPr>
+        <p:blipFill>
+          <a:blip r:embed="rId2" cstate="print"/>
+          <a:srcRect/>
+          <a:stretch>
+            <a:fillRect/>
+          </a:stretch>
+        </p:blipFill>
+        <p:spPr bwMode="auto">
+          <a:xfrm>
+            <a:off x="3749040" y="1658992"/>
+            <a:ext cx="1645920" cy="170411"/>
+          </a:xfrm>
+          <a:prstGeom prst="rect">
+            <a:avLst/>
+          </a:prstGeom>
+          <a:noFill/>
+        </p:spPr>
+      </p:pic>
     </p:spTree>
   </p:cSld>
   <p:clrMapOvr>
@@ -1942,7 +2561,7 @@
           <a:p>
             <a:fld id="{AA821725-BCEF-476B-9B10-FFE64A06E43D}" type="datetimeFigureOut">
               <a:rPr lang="en-US" smtClean="0"/>
-              <a:t>1/15/2012</a:t>
+              <a:t>1/15/12</a:t>
             </a:fld>
             <a:endParaRPr lang="en-US"/>
           </a:p>
@@ -2027,15 +2646,15 @@
         </p:nvSpPr>
         <p:spPr>
           <a:xfrm>
-            <a:off x="457200" y="273050"/>
-            <a:ext cx="3008313" cy="1162050"/>
+            <a:off x="658906" y="914400"/>
+            <a:ext cx="3657600" cy="1162050"/>
           </a:xfrm>
         </p:spPr>
         <p:txBody>
           <a:bodyPr anchor="b"/>
           <a:lstStyle>
-            <a:lvl1pPr algn="l">
-              <a:defRPr sz="2000" b="1"/>
+            <a:lvl1pPr algn="ctr">
+              <a:defRPr sz="3800" b="0"/>
             </a:lvl1pPr>
           </a:lstStyle>
           <a:p>
@@ -2043,7 +2662,7 @@
               <a:rPr lang="en-US" smtClean="0"/>
               <a:t>Click to edit Master title style</a:t>
             </a:r>
-            <a:endParaRPr lang="en-US"/>
+            <a:endParaRPr/>
           </a:p>
         </p:txBody>
       </p:sp>
@@ -2059,38 +2678,44 @@
         </p:nvSpPr>
         <p:spPr>
           <a:xfrm>
-            <a:off x="3575050" y="273050"/>
-            <a:ext cx="5111750" cy="5853113"/>
+            <a:off x="4796118" y="457199"/>
+            <a:ext cx="3657600" cy="5410201"/>
           </a:xfrm>
         </p:spPr>
         <p:txBody>
-          <a:bodyPr/>
+          <a:bodyPr>
+            <a:normAutofit/>
+          </a:bodyPr>
           <a:lstStyle>
             <a:lvl1pPr>
-              <a:defRPr sz="3200"/>
+              <a:defRPr sz="2400"/>
             </a:lvl1pPr>
             <a:lvl2pPr>
-              <a:defRPr sz="2800"/>
+              <a:defRPr sz="2200"/>
             </a:lvl2pPr>
             <a:lvl3pPr>
-              <a:defRPr sz="2400"/>
+              <a:defRPr sz="2000"/>
             </a:lvl3pPr>
             <a:lvl4pPr>
-              <a:defRPr sz="2000"/>
+              <a:defRPr sz="1800"/>
             </a:lvl4pPr>
             <a:lvl5pPr>
-              <a:defRPr sz="2000"/>
+              <a:defRPr sz="1800"/>
             </a:lvl5pPr>
-            <a:lvl6pPr>
+            <a:lvl6pPr marL="2290763" indent="-461963">
+              <a:tabLst/>
               <a:defRPr sz="2000"/>
             </a:lvl6pPr>
-            <a:lvl7pPr>
+            <a:lvl7pPr marL="2290763" indent="-461963">
+              <a:tabLst/>
               <a:defRPr sz="2000"/>
             </a:lvl7pPr>
-            <a:lvl8pPr>
+            <a:lvl8pPr marL="2290763" indent="-461963">
+              <a:tabLst/>
               <a:defRPr sz="2000"/>
             </a:lvl8pPr>
-            <a:lvl9pPr>
+            <a:lvl9pPr marL="2290763" indent="-461963">
+              <a:tabLst/>
               <a:defRPr sz="2000"/>
             </a:lvl9pPr>
           </a:lstStyle>
@@ -2128,7 +2753,7 @@
               <a:rPr lang="en-US" smtClean="0"/>
               <a:t>Fifth level</a:t>
             </a:r>
-            <a:endParaRPr lang="en-US"/>
+            <a:endParaRPr dirty="0"/>
           </a:p>
         </p:txBody>
       </p:sp>
@@ -2144,16 +2769,24 @@
         </p:nvSpPr>
         <p:spPr>
           <a:xfrm>
-            <a:off x="457200" y="1435100"/>
-            <a:ext cx="3008313" cy="4691063"/>
+            <a:off x="658906" y="2590799"/>
+            <a:ext cx="3657600" cy="2895601"/>
           </a:xfrm>
         </p:spPr>
         <p:txBody>
-          <a:bodyPr/>
+          <a:bodyPr>
+            <a:normAutofit/>
+          </a:bodyPr>
           <a:lstStyle>
-            <a:lvl1pPr marL="0" indent="0">
-              <a:buNone/>
-              <a:defRPr sz="1400"/>
+            <a:lvl1pPr marL="0" indent="0" algn="ctr">
+              <a:lnSpc>
+                <a:spcPct val="110000"/>
+              </a:lnSpc>
+              <a:spcBef>
+                <a:spcPts val="600"/>
+              </a:spcBef>
+              <a:buNone/>
+              <a:defRPr sz="1800"/>
             </a:lvl1pPr>
             <a:lvl2pPr marL="457200" indent="0">
               <a:buNone/>
@@ -2214,7 +2847,7 @@
           <a:p>
             <a:fld id="{AA821725-BCEF-476B-9B10-FFE64A06E43D}" type="datetimeFigureOut">
               <a:rPr lang="en-US" smtClean="0"/>
-              <a:t>1/15/2012</a:t>
+              <a:t>1/15/12</a:t>
             </a:fld>
             <a:endParaRPr lang="en-US"/>
           </a:p>
@@ -2262,6 +2895,32 @@
           </a:p>
         </p:txBody>
       </p:sp>
+      <p:pic>
+        <p:nvPicPr>
+          <p:cNvPr id="10" name="Picture 2" descr="HR-Glyph-R3.png"/>
+          <p:cNvPicPr>
+            <a:picLocks noChangeAspect="1" noChangeArrowheads="1"/>
+          </p:cNvPicPr>
+          <p:nvPr/>
+        </p:nvPicPr>
+        <p:blipFill>
+          <a:blip r:embed="rId2" cstate="print"/>
+          <a:srcRect/>
+          <a:stretch>
+            <a:fillRect/>
+          </a:stretch>
+        </p:blipFill>
+        <p:spPr bwMode="auto">
+          <a:xfrm>
+            <a:off x="1664746" y="2286000"/>
+            <a:ext cx="1645920" cy="170411"/>
+          </a:xfrm>
+          <a:prstGeom prst="rect">
+            <a:avLst/>
+          </a:prstGeom>
+          <a:noFill/>
+        </p:spPr>
+      </p:pic>
     </p:spTree>
   </p:cSld>
   <p:clrMapOvr>
@@ -2299,15 +2958,36 @@
         </p:nvSpPr>
         <p:spPr>
           <a:xfrm>
-            <a:off x="1792288" y="4800600"/>
-            <a:ext cx="5486400" cy="566738"/>
+            <a:off x="4799013" y="914400"/>
+            <a:ext cx="3657600" cy="1161288"/>
           </a:xfrm>
+          <a:effectLst/>
         </p:spPr>
         <p:txBody>
-          <a:bodyPr anchor="b"/>
+          <a:bodyPr vert="horz" lIns="91440" tIns="45720" rIns="91440" bIns="45720" rtlCol="0" anchor="b" anchorCtr="0">
+            <a:noAutofit/>
+          </a:bodyPr>
           <a:lstStyle>
-            <a:lvl1pPr algn="l">
-              <a:defRPr sz="2000" b="1"/>
+            <a:lvl1pPr algn="ctr" defTabSz="914400" rtl="0" eaLnBrk="1" latinLnBrk="0" hangingPunct="1">
+              <a:spcBef>
+                <a:spcPct val="0"/>
+              </a:spcBef>
+              <a:buNone/>
+              <a:defRPr sz="3800" b="0" kern="1200">
+                <a:solidFill>
+                  <a:schemeClr val="tx2"/>
+                </a:solidFill>
+                <a:effectLst>
+                  <a:outerShdw blurRad="38100" dist="12700" algn="l" rotWithShape="0">
+                    <a:prstClr val="black">
+                      <a:alpha val="40000"/>
+                    </a:prstClr>
+                  </a:outerShdw>
+                </a:effectLst>
+                <a:latin typeface="+mj-lt"/>
+                <a:ea typeface="+mj-ea"/>
+                <a:cs typeface="+mj-cs"/>
+              </a:defRPr>
             </a:lvl1pPr>
           </a:lstStyle>
           <a:p>
@@ -2315,7 +2995,7 @@
               <a:rPr lang="en-US" smtClean="0"/>
               <a:t>Click to edit Master title style</a:t>
             </a:r>
-            <a:endParaRPr lang="en-US"/>
+            <a:endParaRPr/>
           </a:p>
         </p:txBody>
       </p:sp>
@@ -2331,16 +3011,31 @@
         </p:nvSpPr>
         <p:spPr>
           <a:xfrm>
-            <a:off x="1792288" y="612775"/>
-            <a:ext cx="5486400" cy="4114800"/>
+            <a:off x="658906" y="457200"/>
+            <a:ext cx="3657600" cy="5413248"/>
           </a:xfrm>
+          <a:ln w="101600">
+            <a:solidFill>
+              <a:schemeClr val="tx1"/>
+            </a:solidFill>
+            <a:miter lim="800000"/>
+          </a:ln>
+          <a:effectLst>
+            <a:outerShdw blurRad="50800" dist="38100" dir="2700000" algn="tl" rotWithShape="0">
+              <a:prstClr val="black">
+                <a:alpha val="40000"/>
+              </a:prstClr>
+            </a:outerShdw>
+          </a:effectLst>
         </p:spPr>
         <p:txBody>
-          <a:bodyPr/>
+          <a:bodyPr>
+            <a:normAutofit/>
+          </a:bodyPr>
           <a:lstStyle>
             <a:lvl1pPr marL="0" indent="0">
               <a:buNone/>
-              <a:defRPr sz="3200"/>
+              <a:defRPr sz="2400"/>
             </a:lvl1pPr>
             <a:lvl2pPr marL="457200" indent="0">
               <a:buNone/>
@@ -2376,7 +3071,11 @@
             </a:lvl9pPr>
           </a:lstStyle>
           <a:p>
-            <a:endParaRPr lang="en-US"/>
+            <a:r>
+              <a:rPr lang="en-US" smtClean="0"/>
+              <a:t>Drag picture to placeholder or click icon to add</a:t>
+            </a:r>
+            <a:endParaRPr/>
           </a:p>
         </p:txBody>
       </p:sp>
@@ -2392,16 +3091,28 @@
         </p:nvSpPr>
         <p:spPr>
           <a:xfrm>
-            <a:off x="1792288" y="5367338"/>
-            <a:ext cx="5486400" cy="804862"/>
+            <a:off x="4799013" y="2587752"/>
+            <a:ext cx="3657600" cy="2898648"/>
           </a:xfrm>
         </p:spPr>
         <p:txBody>
-          <a:bodyPr/>
+          <a:bodyPr vert="horz" lIns="91440" tIns="45720" rIns="91440" bIns="45720" rtlCol="0">
+            <a:normAutofit/>
+          </a:bodyPr>
           <a:lstStyle>
-            <a:lvl1pPr marL="0" indent="0">
-              <a:buNone/>
-              <a:defRPr sz="1400"/>
+            <a:lvl1pPr marL="0" indent="0" algn="ctr">
+              <a:spcBef>
+                <a:spcPts val="600"/>
+              </a:spcBef>
+              <a:buNone/>
+              <a:defRPr sz="1800" kern="1200">
+                <a:solidFill>
+                  <a:schemeClr val="tx2"/>
+                </a:solidFill>
+                <a:latin typeface="+mn-lt"/>
+                <a:ea typeface="+mn-ea"/>
+                <a:cs typeface="+mn-cs"/>
+              </a:defRPr>
             </a:lvl1pPr>
             <a:lvl2pPr marL="457200" indent="0">
               <a:buNone/>
@@ -2437,7 +3148,19 @@
             </a:lvl9pPr>
           </a:lstStyle>
           <a:p>
-            <a:pPr lvl="0"/>
+            <a:pPr marL="0" lvl="0" indent="0" algn="ctr" defTabSz="914400" rtl="0" eaLnBrk="1" latinLnBrk="0" hangingPunct="1">
+              <a:lnSpc>
+                <a:spcPct val="110000"/>
+              </a:lnSpc>
+              <a:spcBef>
+                <a:spcPts val="2000"/>
+              </a:spcBef>
+              <a:buClr>
+                <a:schemeClr val="accent3"/>
+              </a:buClr>
+              <a:buFont typeface="Wingdings" pitchFamily="2" charset="2"/>
+              <a:buNone/>
+            </a:pPr>
             <a:r>
               <a:rPr lang="en-US" smtClean="0"/>
               <a:t>Click to edit Master text styles</a:t>
@@ -2462,7 +3185,7 @@
           <a:p>
             <a:fld id="{AA821725-BCEF-476B-9B10-FFE64A06E43D}" type="datetimeFigureOut">
               <a:rPr lang="en-US" smtClean="0"/>
-              <a:t>1/15/2012</a:t>
+              <a:t>1/15/12</a:t>
             </a:fld>
             <a:endParaRPr lang="en-US"/>
           </a:p>
@@ -2510,6 +3233,32 @@
           </a:p>
         </p:txBody>
       </p:sp>
+      <p:pic>
+        <p:nvPicPr>
+          <p:cNvPr id="9" name="Picture 2" descr="HR-Glyph-R3.png"/>
+          <p:cNvPicPr>
+            <a:picLocks noChangeAspect="1" noChangeArrowheads="1"/>
+          </p:cNvPicPr>
+          <p:nvPr/>
+        </p:nvPicPr>
+        <p:blipFill>
+          <a:blip r:embed="rId2" cstate="print"/>
+          <a:srcRect/>
+          <a:stretch>
+            <a:fillRect/>
+          </a:stretch>
+        </p:blipFill>
+        <p:spPr bwMode="auto">
+          <a:xfrm>
+            <a:off x="5804853" y="2286000"/>
+            <a:ext cx="1645920" cy="170411"/>
+          </a:xfrm>
+          <a:prstGeom prst="rect">
+            <a:avLst/>
+          </a:prstGeom>
+          <a:noFill/>
+        </p:spPr>
+      </p:pic>
     </p:spTree>
   </p:cSld>
   <p:clrMapOvr>
@@ -2522,7 +3271,7 @@
 <p:sldMaster xmlns:a="http://schemas.openxmlformats.org/drawingml/2006/main" xmlns:r="http://schemas.openxmlformats.org/officeDocument/2006/relationships" xmlns:p="http://schemas.openxmlformats.org/presentationml/2006/main">
   <p:cSld>
     <p:bg>
-      <p:bgRef idx="1001">
+      <p:bgRef idx="1002">
         <a:schemeClr val="bg1"/>
       </p:bgRef>
     </p:bg>
@@ -2542,51 +3291,93 @@
       </p:grpSpPr>
       <p:sp>
         <p:nvSpPr>
-          <p:cNvPr id="2" name="Title Placeholder 1"/>
-          <p:cNvSpPr>
-            <a:spLocks noGrp="1"/>
-          </p:cNvSpPr>
-          <p:nvPr>
-            <p:ph type="title"/>
+          <p:cNvPr id="6" name="Slide Number Placeholder 5"/>
+          <p:cNvSpPr>
+            <a:spLocks noGrp="1"/>
+          </p:cNvSpPr>
+          <p:nvPr>
+            <p:ph type="sldNum" sz="quarter" idx="4"/>
           </p:nvPr>
         </p:nvSpPr>
         <p:spPr>
           <a:xfrm>
-            <a:off x="457200" y="274638"/>
-            <a:ext cx="8229600" cy="1143000"/>
+            <a:off x="4305300" y="6289115"/>
+            <a:ext cx="533400" cy="365125"/>
           </a:xfrm>
           <a:prstGeom prst="rect">
             <a:avLst/>
           </a:prstGeom>
         </p:spPr>
         <p:txBody>
-          <a:bodyPr vert="horz" lIns="91440" tIns="45720" rIns="91440" bIns="45720" rtlCol="0" anchor="ctr">
-            <a:normAutofit/>
-          </a:bodyPr>
-          <a:lstStyle/>
-          <a:p>
-            <a:r>
-              <a:rPr lang="en-US" smtClean="0"/>
-              <a:t>Click to edit Master title style</a:t>
-            </a:r>
+          <a:bodyPr vert="horz" lIns="91440" tIns="45720" rIns="91440" bIns="45720" rtlCol="0" anchor="ctr"/>
+          <a:lstStyle>
+            <a:lvl1pPr algn="ctr">
+              <a:defRPr sz="1200">
+                <a:solidFill>
+                  <a:schemeClr val="tx1">
+                    <a:tint val="75000"/>
+                  </a:schemeClr>
+                </a:solidFill>
+              </a:defRPr>
+            </a:lvl1pPr>
+          </a:lstStyle>
+          <a:p>
+            <a:fld id="{4019F32C-0EA1-426B-B3A6-4B376DAD0AB9}" type="slidenum">
+              <a:rPr lang="en-US" smtClean="0"/>
+              <a:t>‹#›</a:t>
+            </a:fld>
             <a:endParaRPr lang="en-US"/>
           </a:p>
         </p:txBody>
       </p:sp>
       <p:sp>
         <p:nvSpPr>
-          <p:cNvPr id="3" name="Text Placeholder 2"/>
-          <p:cNvSpPr>
-            <a:spLocks noGrp="1"/>
-          </p:cNvSpPr>
-          <p:nvPr>
-            <p:ph type="body" idx="1"/>
+          <p:cNvPr id="2" name="Title Placeholder 1"/>
+          <p:cNvSpPr>
+            <a:spLocks noGrp="1"/>
+          </p:cNvSpPr>
+          <p:nvPr>
+            <p:ph type="title"/>
           </p:nvPr>
         </p:nvSpPr>
         <p:spPr>
           <a:xfrm>
-            <a:off x="457200" y="1600200"/>
-            <a:ext cx="8229600" cy="4525963"/>
+            <a:off x="685800" y="67236"/>
+            <a:ext cx="7770813" cy="1371600"/>
+          </a:xfrm>
+          <a:prstGeom prst="rect">
+            <a:avLst/>
+          </a:prstGeom>
+          <a:effectLst/>
+        </p:spPr>
+        <p:txBody>
+          <a:bodyPr vert="horz" lIns="91440" tIns="45720" rIns="91440" bIns="45720" rtlCol="0" anchor="ctr" anchorCtr="0">
+            <a:noAutofit/>
+          </a:bodyPr>
+          <a:lstStyle/>
+          <a:p>
+            <a:r>
+              <a:rPr lang="en-US" smtClean="0"/>
+              <a:t>Click to edit Master title style</a:t>
+            </a:r>
+            <a:endParaRPr/>
+          </a:p>
+        </p:txBody>
+      </p:sp>
+      <p:sp>
+        <p:nvSpPr>
+          <p:cNvPr id="3" name="Text Placeholder 2"/>
+          <p:cNvSpPr>
+            <a:spLocks noGrp="1"/>
+          </p:cNvSpPr>
+          <p:nvPr>
+            <p:ph type="body" idx="1"/>
+          </p:nvPr>
+        </p:nvSpPr>
+        <p:spPr>
+          <a:xfrm>
+            <a:off x="685800" y="2209800"/>
+            <a:ext cx="7770813" cy="3657600"/>
           </a:xfrm>
           <a:prstGeom prst="rect">
             <a:avLst/>
@@ -2631,7 +3422,7 @@
               <a:rPr lang="en-US" smtClean="0"/>
               <a:t>Fifth level</a:t>
             </a:r>
-            <a:endParaRPr lang="en-US"/>
+            <a:endParaRPr dirty="0"/>
           </a:p>
         </p:txBody>
       </p:sp>
@@ -2647,8 +3438,49 @@
         </p:nvSpPr>
         <p:spPr>
           <a:xfrm>
-            <a:off x="457200" y="6356350"/>
-            <a:ext cx="2133600" cy="365125"/>
+            <a:off x="6400800" y="6289115"/>
+            <a:ext cx="2375647" cy="365125"/>
+          </a:xfrm>
+          <a:prstGeom prst="rect">
+            <a:avLst/>
+          </a:prstGeom>
+        </p:spPr>
+        <p:txBody>
+          <a:bodyPr vert="horz" lIns="91440" tIns="45720" rIns="91440" bIns="45720" rtlCol="0" anchor="ctr"/>
+          <a:lstStyle>
+            <a:lvl1pPr algn="r">
+              <a:defRPr sz="1200">
+                <a:solidFill>
+                  <a:schemeClr val="tx1">
+                    <a:tint val="75000"/>
+                  </a:schemeClr>
+                </a:solidFill>
+              </a:defRPr>
+            </a:lvl1pPr>
+          </a:lstStyle>
+          <a:p>
+            <a:fld id="{AA821725-BCEF-476B-9B10-FFE64A06E43D}" type="datetimeFigureOut">
+              <a:rPr lang="en-US" smtClean="0"/>
+              <a:t>1/15/12</a:t>
+            </a:fld>
+            <a:endParaRPr lang="en-US"/>
+          </a:p>
+        </p:txBody>
+      </p:sp>
+      <p:sp>
+        <p:nvSpPr>
+          <p:cNvPr id="5" name="Footer Placeholder 4"/>
+          <p:cNvSpPr>
+            <a:spLocks noGrp="1"/>
+          </p:cNvSpPr>
+          <p:nvPr>
+            <p:ph type="ftr" sz="quarter" idx="3"/>
+          </p:nvPr>
+        </p:nvSpPr>
+        <p:spPr>
+          <a:xfrm>
+            <a:off x="349624" y="6289115"/>
+            <a:ext cx="3155576" cy="365125"/>
           </a:xfrm>
           <a:prstGeom prst="rect">
             <a:avLst/>
@@ -2668,88 +3500,6 @@
             </a:lvl1pPr>
           </a:lstStyle>
           <a:p>
-            <a:fld id="{AA821725-BCEF-476B-9B10-FFE64A06E43D}" type="datetimeFigureOut">
-              <a:rPr lang="en-US" smtClean="0"/>
-              <a:t>1/15/2012</a:t>
-            </a:fld>
-            <a:endParaRPr lang="en-US"/>
-          </a:p>
-        </p:txBody>
-      </p:sp>
-      <p:sp>
-        <p:nvSpPr>
-          <p:cNvPr id="5" name="Footer Placeholder 4"/>
-          <p:cNvSpPr>
-            <a:spLocks noGrp="1"/>
-          </p:cNvSpPr>
-          <p:nvPr>
-            <p:ph type="ftr" sz="quarter" idx="3"/>
-          </p:nvPr>
-        </p:nvSpPr>
-        <p:spPr>
-          <a:xfrm>
-            <a:off x="3124200" y="6356350"/>
-            <a:ext cx="2895600" cy="365125"/>
-          </a:xfrm>
-          <a:prstGeom prst="rect">
-            <a:avLst/>
-          </a:prstGeom>
-        </p:spPr>
-        <p:txBody>
-          <a:bodyPr vert="horz" lIns="91440" tIns="45720" rIns="91440" bIns="45720" rtlCol="0" anchor="ctr"/>
-          <a:lstStyle>
-            <a:lvl1pPr algn="ctr">
-              <a:defRPr sz="1200">
-                <a:solidFill>
-                  <a:schemeClr val="tx1">
-                    <a:tint val="75000"/>
-                  </a:schemeClr>
-                </a:solidFill>
-              </a:defRPr>
-            </a:lvl1pPr>
-          </a:lstStyle>
-          <a:p>
-            <a:endParaRPr lang="en-US"/>
-          </a:p>
-        </p:txBody>
-      </p:sp>
-      <p:sp>
-        <p:nvSpPr>
-          <p:cNvPr id="6" name="Slide Number Placeholder 5"/>
-          <p:cNvSpPr>
-            <a:spLocks noGrp="1"/>
-          </p:cNvSpPr>
-          <p:nvPr>
-            <p:ph type="sldNum" sz="quarter" idx="4"/>
-          </p:nvPr>
-        </p:nvSpPr>
-        <p:spPr>
-          <a:xfrm>
-            <a:off x="6553200" y="6356350"/>
-            <a:ext cx="2133600" cy="365125"/>
-          </a:xfrm>
-          <a:prstGeom prst="rect">
-            <a:avLst/>
-          </a:prstGeom>
-        </p:spPr>
-        <p:txBody>
-          <a:bodyPr vert="horz" lIns="91440" tIns="45720" rIns="91440" bIns="45720" rtlCol="0" anchor="ctr"/>
-          <a:lstStyle>
-            <a:lvl1pPr algn="r">
-              <a:defRPr sz="1200">
-                <a:solidFill>
-                  <a:schemeClr val="tx1">
-                    <a:tint val="75000"/>
-                  </a:schemeClr>
-                </a:solidFill>
-              </a:defRPr>
-            </a:lvl1pPr>
-          </a:lstStyle>
-          <a:p>
-            <a:fld id="{4019F32C-0EA1-426B-B3A6-4B376DAD0AB9}" type="slidenum">
-              <a:rPr lang="en-US" smtClean="0"/>
-              <a:t>‹#›</a:t>
-            </a:fld>
             <a:endParaRPr lang="en-US"/>
           </a:p>
         </p:txBody>
@@ -2758,17 +3508,18 @@
   </p:cSld>
   <p:clrMap bg1="lt1" tx1="dk1" bg2="lt2" tx2="dk2" accent1="accent1" accent2="accent2" accent3="accent3" accent4="accent4" accent5="accent5" accent6="accent6" hlink="hlink" folHlink="folHlink"/>
   <p:sldLayoutIdLst>
-    <p:sldLayoutId id="2147483649" r:id="rId1"/>
-    <p:sldLayoutId id="2147483650" r:id="rId2"/>
-    <p:sldLayoutId id="2147483651" r:id="rId3"/>
-    <p:sldLayoutId id="2147483652" r:id="rId4"/>
-    <p:sldLayoutId id="2147483653" r:id="rId5"/>
-    <p:sldLayoutId id="2147483654" r:id="rId6"/>
-    <p:sldLayoutId id="2147483655" r:id="rId7"/>
-    <p:sldLayoutId id="2147483656" r:id="rId8"/>
-    <p:sldLayoutId id="2147483657" r:id="rId9"/>
-    <p:sldLayoutId id="2147483658" r:id="rId10"/>
-    <p:sldLayoutId id="2147483659" r:id="rId11"/>
+    <p:sldLayoutId id="2147483686" r:id="rId1"/>
+    <p:sldLayoutId id="2147483687" r:id="rId2"/>
+    <p:sldLayoutId id="2147483688" r:id="rId3"/>
+    <p:sldLayoutId id="2147483689" r:id="rId4"/>
+    <p:sldLayoutId id="2147483690" r:id="rId5"/>
+    <p:sldLayoutId id="2147483691" r:id="rId6"/>
+    <p:sldLayoutId id="2147483692" r:id="rId7"/>
+    <p:sldLayoutId id="2147483693" r:id="rId8"/>
+    <p:sldLayoutId id="2147483694" r:id="rId9"/>
+    <p:sldLayoutId id="2147483695" r:id="rId10"/>
+    <p:sldLayoutId id="2147483696" r:id="rId11"/>
+    <p:sldLayoutId id="2147483697" r:id="rId12"/>
   </p:sldLayoutIdLst>
   <p:txStyles>
     <p:titleStyle>
@@ -2777,10 +3528,17 @@
           <a:spcPct val="0"/>
         </a:spcBef>
         <a:buNone/>
-        <a:defRPr sz="4400" kern="1200">
+        <a:defRPr sz="5000" kern="1200">
           <a:solidFill>
-            <a:schemeClr val="tx1"/>
+            <a:schemeClr val="tx2"/>
           </a:solidFill>
+          <a:effectLst>
+            <a:outerShdw blurRad="38100" dist="12700" algn="l" rotWithShape="0">
+              <a:prstClr val="black">
+                <a:alpha val="40000"/>
+              </a:prstClr>
+            </a:outerShdw>
+          </a:effectLst>
           <a:latin typeface="+mj-lt"/>
           <a:ea typeface="+mj-ea"/>
           <a:cs typeface="+mj-cs"/>
@@ -2788,88 +3546,112 @@
       </a:lvl1pPr>
     </p:titleStyle>
     <p:bodyStyle>
-      <a:lvl1pPr marL="342900" indent="-342900" algn="l" defTabSz="914400" rtl="0" eaLnBrk="1" latinLnBrk="0" hangingPunct="1">
+      <a:lvl1pPr marL="457200" indent="-457200" algn="l" defTabSz="914400" rtl="0" eaLnBrk="1" latinLnBrk="0" hangingPunct="1">
         <a:spcBef>
-          <a:spcPct val="20000"/>
+          <a:spcPts val="2000"/>
         </a:spcBef>
-        <a:buFont typeface="Arial" pitchFamily="34" charset="0"/>
-        <a:buChar char="•"/>
-        <a:defRPr sz="3200" kern="1200">
+        <a:buClr>
+          <a:schemeClr val="accent3"/>
+        </a:buClr>
+        <a:buFont typeface="Wingdings" pitchFamily="2" charset="2"/>
+        <a:buChar char=""/>
+        <a:defRPr sz="2400" kern="1200">
           <a:solidFill>
-            <a:schemeClr val="tx1"/>
+            <a:schemeClr val="tx2"/>
           </a:solidFill>
           <a:latin typeface="+mn-lt"/>
           <a:ea typeface="+mn-ea"/>
           <a:cs typeface="+mn-cs"/>
         </a:defRPr>
       </a:lvl1pPr>
-      <a:lvl2pPr marL="742950" indent="-285750" algn="l" defTabSz="914400" rtl="0" eaLnBrk="1" latinLnBrk="0" hangingPunct="1">
+      <a:lvl2pPr marL="914400" indent="-457200" algn="l" defTabSz="914400" rtl="0" eaLnBrk="1" latinLnBrk="0" hangingPunct="1">
         <a:spcBef>
-          <a:spcPct val="20000"/>
+          <a:spcPts val="600"/>
         </a:spcBef>
-        <a:buFont typeface="Arial" pitchFamily="34" charset="0"/>
-        <a:buChar char="–"/>
-        <a:defRPr sz="2800" kern="1200">
+        <a:buClr>
+          <a:schemeClr val="accent3">
+            <a:lumMod val="50000"/>
+          </a:schemeClr>
+        </a:buClr>
+        <a:buFont typeface="Wingdings" pitchFamily="2" charset="2"/>
+        <a:buChar char=""/>
+        <a:defRPr sz="2200" kern="1200">
           <a:solidFill>
-            <a:schemeClr val="tx1"/>
+            <a:schemeClr val="tx2"/>
           </a:solidFill>
           <a:latin typeface="+mn-lt"/>
           <a:ea typeface="+mn-ea"/>
           <a:cs typeface="+mn-cs"/>
         </a:defRPr>
       </a:lvl2pPr>
-      <a:lvl3pPr marL="1143000" indent="-228600" algn="l" defTabSz="914400" rtl="0" eaLnBrk="1" latinLnBrk="0" hangingPunct="1">
+      <a:lvl3pPr marL="1371600" indent="-457200" algn="l" defTabSz="914400" rtl="0" eaLnBrk="1" latinLnBrk="0" hangingPunct="1">
         <a:spcBef>
-          <a:spcPct val="20000"/>
+          <a:spcPts val="600"/>
         </a:spcBef>
-        <a:buFont typeface="Arial" pitchFamily="34" charset="0"/>
-        <a:buChar char="•"/>
-        <a:defRPr sz="2400" kern="1200">
+        <a:buClr>
+          <a:schemeClr val="accent3"/>
+        </a:buClr>
+        <a:buFont typeface="Wingdings" pitchFamily="2" charset="2"/>
+        <a:buChar char=""/>
+        <a:defRPr sz="2000" kern="1200">
           <a:solidFill>
-            <a:schemeClr val="tx1"/>
+            <a:schemeClr val="tx2"/>
           </a:solidFill>
           <a:latin typeface="+mn-lt"/>
           <a:ea typeface="+mn-ea"/>
           <a:cs typeface="+mn-cs"/>
         </a:defRPr>
       </a:lvl3pPr>
-      <a:lvl4pPr marL="1600200" indent="-228600" algn="l" defTabSz="914400" rtl="0" eaLnBrk="1" latinLnBrk="0" hangingPunct="1">
+      <a:lvl4pPr marL="1828800" indent="-457200" algn="l" defTabSz="914400" rtl="0" eaLnBrk="1" latinLnBrk="0" hangingPunct="1">
         <a:spcBef>
-          <a:spcPct val="20000"/>
+          <a:spcPts val="600"/>
         </a:spcBef>
-        <a:buFont typeface="Arial" pitchFamily="34" charset="0"/>
-        <a:buChar char="–"/>
-        <a:defRPr sz="2000" kern="1200">
+        <a:buClr>
+          <a:schemeClr val="accent3">
+            <a:lumMod val="50000"/>
+          </a:schemeClr>
+        </a:buClr>
+        <a:buFont typeface="Wingdings" pitchFamily="2" charset="2"/>
+        <a:buChar char=""/>
+        <a:defRPr sz="1800" kern="1200">
           <a:solidFill>
-            <a:schemeClr val="tx1"/>
+            <a:schemeClr val="tx2"/>
           </a:solidFill>
           <a:latin typeface="+mn-lt"/>
           <a:ea typeface="+mn-ea"/>
           <a:cs typeface="+mn-cs"/>
         </a:defRPr>
       </a:lvl4pPr>
-      <a:lvl5pPr marL="2057400" indent="-228600" algn="l" defTabSz="914400" rtl="0" eaLnBrk="1" latinLnBrk="0" hangingPunct="1">
+      <a:lvl5pPr marL="2286000" indent="-457200" algn="l" defTabSz="914400" rtl="0" eaLnBrk="1" latinLnBrk="0" hangingPunct="1">
         <a:spcBef>
-          <a:spcPct val="20000"/>
+          <a:spcPts val="600"/>
         </a:spcBef>
-        <a:buFont typeface="Arial" pitchFamily="34" charset="0"/>
-        <a:buChar char="»"/>
-        <a:defRPr sz="2000" kern="1200">
+        <a:buClr>
+          <a:schemeClr val="accent3"/>
+        </a:buClr>
+        <a:buFont typeface="Wingdings" pitchFamily="2" charset="2"/>
+        <a:buChar char=""/>
+        <a:defRPr sz="1800" kern="1200">
           <a:solidFill>
-            <a:schemeClr val="tx1"/>
+            <a:schemeClr val="tx2"/>
           </a:solidFill>
           <a:latin typeface="+mn-lt"/>
           <a:ea typeface="+mn-ea"/>
           <a:cs typeface="+mn-cs"/>
         </a:defRPr>
       </a:lvl5pPr>
-      <a:lvl6pPr marL="2514600" indent="-228600" algn="l" defTabSz="914400" rtl="0" eaLnBrk="1" latinLnBrk="0" hangingPunct="1">
+      <a:lvl6pPr marL="2743200" indent="-461963" algn="l" defTabSz="914400" rtl="0" eaLnBrk="1" latinLnBrk="0" hangingPunct="1">
         <a:spcBef>
           <a:spcPct val="20000"/>
         </a:spcBef>
-        <a:buFont typeface="Arial" pitchFamily="34" charset="0"/>
-        <a:buChar char="•"/>
-        <a:defRPr sz="2000" kern="1200">
+        <a:buClr>
+          <a:schemeClr val="accent3">
+            <a:lumMod val="50000"/>
+          </a:schemeClr>
+        </a:buClr>
+        <a:buFont typeface="Wingdings" pitchFamily="2" charset="2"/>
+        <a:buChar char=""/>
+        <a:defRPr sz="1800" kern="1200">
           <a:solidFill>
             <a:schemeClr val="tx1"/>
           </a:solidFill>
@@ -2878,13 +3660,16 @@
           <a:cs typeface="+mn-cs"/>
         </a:defRPr>
       </a:lvl6pPr>
-      <a:lvl7pPr marL="2971800" indent="-228600" algn="l" defTabSz="914400" rtl="0" eaLnBrk="1" latinLnBrk="0" hangingPunct="1">
+      <a:lvl7pPr marL="3205163" indent="-461963" algn="l" defTabSz="914400" rtl="0" eaLnBrk="1" latinLnBrk="0" hangingPunct="1">
         <a:spcBef>
           <a:spcPct val="20000"/>
         </a:spcBef>
-        <a:buFont typeface="Arial" pitchFamily="34" charset="0"/>
-        <a:buChar char="•"/>
-        <a:defRPr sz="2000" kern="1200">
+        <a:buClr>
+          <a:schemeClr val="accent3"/>
+        </a:buClr>
+        <a:buFont typeface="Wingdings" pitchFamily="2" charset="2"/>
+        <a:buChar char=""/>
+        <a:defRPr sz="1800" kern="1200">
           <a:solidFill>
             <a:schemeClr val="tx1"/>
           </a:solidFill>
@@ -2893,13 +3678,18 @@
           <a:cs typeface="+mn-cs"/>
         </a:defRPr>
       </a:lvl7pPr>
-      <a:lvl8pPr marL="3429000" indent="-228600" algn="l" defTabSz="914400" rtl="0" eaLnBrk="1" latinLnBrk="0" hangingPunct="1">
+      <a:lvl8pPr marL="3657600" indent="-461963" algn="l" defTabSz="914400" rtl="0" eaLnBrk="1" latinLnBrk="0" hangingPunct="1">
         <a:spcBef>
           <a:spcPct val="20000"/>
         </a:spcBef>
-        <a:buFont typeface="Arial" pitchFamily="34" charset="0"/>
-        <a:buChar char="•"/>
-        <a:defRPr sz="2000" kern="1200">
+        <a:buClr>
+          <a:schemeClr val="accent3">
+            <a:lumMod val="50000"/>
+          </a:schemeClr>
+        </a:buClr>
+        <a:buFont typeface="Wingdings" pitchFamily="2" charset="2"/>
+        <a:buChar char=""/>
+        <a:defRPr sz="1800" kern="1200">
           <a:solidFill>
             <a:schemeClr val="tx1"/>
           </a:solidFill>
@@ -2908,13 +3698,16 @@
           <a:cs typeface="+mn-cs"/>
         </a:defRPr>
       </a:lvl8pPr>
-      <a:lvl9pPr marL="3886200" indent="-228600" algn="l" defTabSz="914400" rtl="0" eaLnBrk="1" latinLnBrk="0" hangingPunct="1">
+      <a:lvl9pPr marL="4119563" indent="-461963" algn="l" defTabSz="914400" rtl="0" eaLnBrk="1" latinLnBrk="0" hangingPunct="1">
         <a:spcBef>
           <a:spcPct val="20000"/>
         </a:spcBef>
-        <a:buFont typeface="Arial" pitchFamily="34" charset="0"/>
-        <a:buChar char="•"/>
-        <a:defRPr sz="2000" kern="1200">
+        <a:buClr>
+          <a:schemeClr val="accent3"/>
+        </a:buClr>
+        <a:buFont typeface="Wingdings" pitchFamily="2" charset="2"/>
+        <a:buChar char=""/>
+        <a:defRPr sz="1800" kern="1200">
           <a:solidFill>
             <a:schemeClr val="tx1"/>
           </a:solidFill>
@@ -2926,7 +3719,7 @@
     </p:bodyStyle>
     <p:otherStyle>
       <a:defPPr>
-        <a:defRPr lang="en-US"/>
+        <a:defRPr/>
       </a:defPPr>
       <a:lvl1pPr marL="0" algn="l" defTabSz="914400" rtl="0" eaLnBrk="1" latinLnBrk="0" hangingPunct="1">
         <a:defRPr sz="1800" kern="1200">
@@ -3052,7 +3845,9 @@
         </p:nvSpPr>
         <p:spPr/>
         <p:txBody>
-          <a:bodyPr/>
+          <a:bodyPr>
+            <a:normAutofit fontScale="90000"/>
+          </a:bodyPr>
           <a:lstStyle/>
           <a:p>
             <a:r>
@@ -3075,19 +3870,36 @@
         </p:nvSpPr>
         <p:spPr/>
         <p:txBody>
-          <a:bodyPr/>
+          <a:bodyPr>
+            <a:normAutofit/>
+          </a:bodyPr>
           <a:lstStyle/>
           <a:p>
             <a:r>
               <a:rPr lang="en-US" dirty="0" smtClean="0"/>
-              <a:t>By us</a:t>
+              <a:t>Sam Levin</a:t>
             </a:r>
           </a:p>
           <a:p>
             <a:r>
               <a:rPr lang="en-US" dirty="0" smtClean="0"/>
-              <a:t>//insert our names here</a:t>
-            </a:r>
+              <a:t>David Mao</a:t>
+            </a:r>
+          </a:p>
+          <a:p>
+            <a:r>
+              <a:rPr lang="en-US" dirty="0" smtClean="0"/>
+              <a:t>Greg Rivera</a:t>
+            </a:r>
+          </a:p>
+          <a:p>
+            <a:r>
+              <a:rPr lang="en-US" dirty="0" smtClean="0"/>
+              <a:t>David Sun</a:t>
+            </a:r>
+          </a:p>
+          <a:p>
+            <a:endParaRPr lang="en-US" dirty="0" smtClean="0"/>
           </a:p>
         </p:txBody>
       </p:sp>
@@ -3096,12 +3908,38 @@
   <p:clrMapOvr>
     <a:masterClrMapping/>
   </p:clrMapOvr>
+  <mc:AlternateContent xmlns:mc="http://schemas.openxmlformats.org/markup-compatibility/2006">
+    <mc:Choice xmlns:p14="http://schemas.microsoft.com/office/powerpoint/2010/main" Requires="p14">
+      <p:transition p14:dur="0"/>
+    </mc:Choice>
+    <mc:Fallback>
+      <p:transition xmlns:p14="http://schemas.microsoft.com/office/powerpoint/2010/main"/>
+    </mc:Fallback>
+  </mc:AlternateContent>
+  <p:timing>
+    <p:tnLst>
+      <p:par>
+        <p:cTn xmlns:p14="http://schemas.microsoft.com/office/powerpoint/2010/main" id="1" dur="indefinite" restart="never" nodeType="tmRoot"/>
+      </p:par>
+    </p:tnLst>
+  </p:timing>
 </p:sld>
 </file>
 
 <file path=ppt/slides/slide2.xml><?xml version="1.0" encoding="utf-8"?>
 <p:sld xmlns:a="http://schemas.openxmlformats.org/drawingml/2006/main" xmlns:r="http://schemas.openxmlformats.org/officeDocument/2006/relationships" xmlns:p="http://schemas.openxmlformats.org/presentationml/2006/main">
   <p:cSld>
+    <p:bg>
+      <p:bgPr>
+        <a:blipFill rotWithShape="1">
+          <a:blip r:embed="rId2"/>
+          <a:stretch>
+            <a:fillRect/>
+          </a:stretch>
+        </a:blipFill>
+        <a:effectLst/>
+      </p:bgPr>
+    </p:bg>
     <p:spTree>
       <p:nvGrpSpPr>
         <p:cNvPr id="1" name=""/>
@@ -3135,7 +3973,7 @@
           <a:p>
             <a:r>
               <a:rPr lang="en-US" dirty="0" smtClean="0"/>
-              <a:t>Project Summary</a:t>
+              <a:t>Purpose</a:t>
             </a:r>
             <a:endParaRPr lang="en-US" dirty="0"/>
           </a:p>
@@ -3158,23 +3996,27 @@
           <a:p>
             <a:r>
               <a:rPr lang="en-US" dirty="0" smtClean="0"/>
-              <a:t>Purpose:</a:t>
-            </a:r>
-          </a:p>
-          <a:p>
-            <a:pPr lvl="1"/>
+              <a:t>Help </a:t>
+            </a:r>
             <a:r>
               <a:rPr lang="en-US" dirty="0" smtClean="0"/>
-              <a:t>Help children with Autism to learn how to act in various situation</a:t>
+              <a:t>children with Autism to learn how to act in various </a:t>
+            </a:r>
+            <a:r>
+              <a:rPr lang="en-US" dirty="0" smtClean="0"/>
+              <a:t>situations</a:t>
+            </a:r>
+          </a:p>
+          <a:p>
+            <a:r>
+              <a:rPr lang="en-US" dirty="0"/>
+              <a:t>Children with Autism often have difficulty understanding social </a:t>
+            </a:r>
+            <a:r>
+              <a:rPr lang="en-US" dirty="0" smtClean="0"/>
+              <a:t>situations</a:t>
             </a:r>
             <a:endParaRPr lang="en-US" dirty="0"/>
-          </a:p>
-          <a:p>
-            <a:pPr lvl="1"/>
-            <a:r>
-              <a:rPr lang="en-US" dirty="0" smtClean="0"/>
-              <a:t>Children with Autism often have difficulty understanding social situations, so teachers create narratives to teach children about social situations</a:t>
-            </a:r>
           </a:p>
         </p:txBody>
       </p:sp>
@@ -3183,12 +4025,42 @@
   <p:clrMapOvr>
     <a:masterClrMapping/>
   </p:clrMapOvr>
+  <mc:AlternateContent xmlns:mc="http://schemas.openxmlformats.org/markup-compatibility/2006">
+    <mc:Choice xmlns:p14="http://schemas.microsoft.com/office/powerpoint/2010/main" Requires="p14">
+      <p:transition spd="med" p14:dur="700">
+        <p:fade/>
+      </p:transition>
+    </mc:Choice>
+    <mc:Fallback>
+      <p:transition xmlns:p14="http://schemas.microsoft.com/office/powerpoint/2010/main" spd="med">
+        <p:fade/>
+      </p:transition>
+    </mc:Fallback>
+  </mc:AlternateContent>
+  <p:timing>
+    <p:tnLst>
+      <p:par>
+        <p:cTn xmlns:p14="http://schemas.microsoft.com/office/powerpoint/2010/main" id="1" dur="indefinite" restart="never" nodeType="tmRoot"/>
+      </p:par>
+    </p:tnLst>
+  </p:timing>
 </p:sld>
 </file>
 
 <file path=ppt/slides/slide3.xml><?xml version="1.0" encoding="utf-8"?>
 <p:sld xmlns:a="http://schemas.openxmlformats.org/drawingml/2006/main" xmlns:r="http://schemas.openxmlformats.org/officeDocument/2006/relationships" xmlns:p="http://schemas.openxmlformats.org/presentationml/2006/main">
   <p:cSld>
+    <p:bg>
+      <p:bgPr>
+        <a:blipFill rotWithShape="1">
+          <a:blip r:embed="rId2"/>
+          <a:stretch>
+            <a:fillRect/>
+          </a:stretch>
+        </a:blipFill>
+        <a:effectLst/>
+      </p:bgPr>
+    </p:bg>
     <p:spTree>
       <p:nvGrpSpPr>
         <p:cNvPr id="1" name=""/>
@@ -3205,7 +4077,7 @@
       </p:grpSpPr>
       <p:sp>
         <p:nvSpPr>
-          <p:cNvPr id="4" name="Title 3"/>
+          <p:cNvPr id="2" name="Title 1"/>
           <p:cNvSpPr>
             <a:spLocks noGrp="1"/>
           </p:cNvSpPr>
@@ -3220,7 +4092,7 @@
           <a:p>
             <a:r>
               <a:rPr lang="en-US" dirty="0" smtClean="0"/>
-              <a:t>Design</a:t>
+              <a:t>Outline</a:t>
             </a:r>
             <a:endParaRPr lang="en-US" dirty="0"/>
           </a:p>
@@ -3228,122 +4100,87 @@
       </p:sp>
       <p:sp>
         <p:nvSpPr>
-          <p:cNvPr id="5" name="Content Placeholder 4"/>
-          <p:cNvSpPr>
-            <a:spLocks noGrp="1"/>
-          </p:cNvSpPr>
-          <p:nvPr>
-            <p:ph sz="half" idx="1"/>
-          </p:nvPr>
-        </p:nvSpPr>
-        <p:spPr/>
-        <p:txBody>
-          <a:bodyPr/>
+          <p:cNvPr id="3" name="Content Placeholder 2"/>
+          <p:cNvSpPr>
+            <a:spLocks noGrp="1"/>
+          </p:cNvSpPr>
+          <p:nvPr>
+            <p:ph idx="1"/>
+          </p:nvPr>
+        </p:nvSpPr>
+        <p:spPr>
+          <a:xfrm>
+            <a:off x="685800" y="2133600"/>
+            <a:ext cx="7770813" cy="2133600"/>
+          </a:xfrm>
+        </p:spPr>
+        <p:txBody>
+          <a:bodyPr>
+            <a:normAutofit lnSpcReduction="10000"/>
+          </a:bodyPr>
           <a:lstStyle/>
           <a:p>
             <a:r>
               <a:rPr lang="en-US" dirty="0" smtClean="0"/>
-              <a:t>Front-end</a:t>
+              <a:t>Teacher can log on with a set password to access two pages:</a:t>
             </a:r>
           </a:p>
           <a:p>
             <a:pPr lvl="1"/>
             <a:r>
               <a:rPr lang="en-US" dirty="0" smtClean="0"/>
-              <a:t>Used </a:t>
-            </a:r>
-            <a:r>
-              <a:rPr lang="en-US" dirty="0" err="1"/>
-              <a:t>J</a:t>
-            </a:r>
-            <a:r>
-              <a:rPr lang="en-US" dirty="0" err="1" smtClean="0"/>
-              <a:t>query</a:t>
-            </a:r>
+              <a:t>Write new story</a:t>
+            </a:r>
+          </a:p>
+          <a:p>
+            <a:pPr lvl="1"/>
             <a:r>
               <a:rPr lang="en-US" dirty="0" smtClean="0"/>
-              <a:t> and HTML to design </a:t>
-            </a:r>
-            <a:r>
-              <a:rPr lang="en-US" dirty="0" err="1" smtClean="0"/>
-              <a:t>webpages</a:t>
-            </a:r>
-            <a:endParaRPr lang="en-US" dirty="0" smtClean="0"/>
-          </a:p>
-          <a:p>
-            <a:pPr lvl="1"/>
+              <a:t>View students (and their completed stories)</a:t>
+            </a:r>
+          </a:p>
+          <a:p>
             <a:r>
               <a:rPr lang="en-US" dirty="0" smtClean="0"/>
-              <a:t>Had to create and implement site map to make the site user-friendly</a:t>
-            </a:r>
-            <a:endParaRPr lang="en-US" dirty="0"/>
-          </a:p>
-        </p:txBody>
-      </p:sp>
-      <p:sp>
-        <p:nvSpPr>
-          <p:cNvPr id="6" name="Content Placeholder 5"/>
-          <p:cNvSpPr>
-            <a:spLocks noGrp="1"/>
-          </p:cNvSpPr>
-          <p:nvPr>
-            <p:ph sz="half" idx="2"/>
-          </p:nvPr>
-        </p:nvSpPr>
-        <p:spPr/>
-        <p:txBody>
-          <a:bodyPr/>
-          <a:lstStyle/>
-          <a:p>
-            <a:r>
-              <a:rPr lang="en-US" dirty="0" smtClean="0"/>
-              <a:t>Back-end</a:t>
-            </a:r>
-          </a:p>
-          <a:p>
-            <a:pPr lvl="1"/>
-            <a:r>
-              <a:rPr lang="en-US" dirty="0" smtClean="0"/>
-              <a:t>Used </a:t>
-            </a:r>
-            <a:r>
-              <a:rPr lang="en-US" dirty="0" err="1" smtClean="0"/>
-              <a:t>MySQL</a:t>
-            </a:r>
-            <a:r>
-              <a:rPr lang="en-US" dirty="0" smtClean="0"/>
-              <a:t> and PHP to store and access items from the database</a:t>
-            </a:r>
-          </a:p>
-          <a:p>
-            <a:pPr lvl="1"/>
-            <a:r>
-              <a:rPr lang="en-US" dirty="0" smtClean="0"/>
-              <a:t>“Hide” </a:t>
-            </a:r>
-            <a:r>
-              <a:rPr lang="en-US" dirty="0" err="1" smtClean="0"/>
-              <a:t>MySQL</a:t>
-            </a:r>
-            <a:r>
-              <a:rPr lang="en-US" dirty="0" smtClean="0"/>
-              <a:t> commands inside PHP functions</a:t>
-            </a:r>
-            <a:endParaRPr lang="en-US" dirty="0"/>
+              <a:t>Students can log on and select stories to complete.</a:t>
+            </a:r>
           </a:p>
         </p:txBody>
       </p:sp>
     </p:spTree>
+    <p:extLst>
+      <p:ext uri="{BB962C8B-B14F-4D97-AF65-F5344CB8AC3E}">
+        <p14:creationId xmlns:p14="http://schemas.microsoft.com/office/powerpoint/2010/main" val="3055191603"/>
+      </p:ext>
+    </p:extLst>
   </p:cSld>
   <p:clrMapOvr>
     <a:masterClrMapping/>
   </p:clrMapOvr>
+  <p:timing>
+    <p:tnLst>
+      <p:par>
+        <p:cTn xmlns:p14="http://schemas.microsoft.com/office/powerpoint/2010/main" id="1" dur="indefinite" restart="never" nodeType="tmRoot"/>
+      </p:par>
+    </p:tnLst>
+  </p:timing>
 </p:sld>
 </file>
 
 <file path=ppt/slides/slide4.xml><?xml version="1.0" encoding="utf-8"?>
 <p:sld xmlns:a="http://schemas.openxmlformats.org/drawingml/2006/main" xmlns:r="http://schemas.openxmlformats.org/officeDocument/2006/relationships" xmlns:p="http://schemas.openxmlformats.org/presentationml/2006/main">
   <p:cSld>
+    <p:bg>
+      <p:bgPr>
+        <a:blipFill rotWithShape="1">
+          <a:blip r:embed="rId2"/>
+          <a:stretch>
+            <a:fillRect/>
+          </a:stretch>
+        </a:blipFill>
+        <a:effectLst/>
+      </p:bgPr>
+    </p:bg>
     <p:spTree>
       <p:nvGrpSpPr>
         <p:cNvPr id="1" name=""/>
@@ -3360,7 +4197,7 @@
       </p:grpSpPr>
       <p:sp>
         <p:nvSpPr>
-          <p:cNvPr id="5" name="Title 4"/>
+          <p:cNvPr id="4" name="Title 3"/>
           <p:cNvSpPr>
             <a:spLocks noGrp="1"/>
           </p:cNvSpPr>
@@ -3375,7 +4212,7 @@
           <a:p>
             <a:r>
               <a:rPr lang="en-US" dirty="0" smtClean="0"/>
-              <a:t>Challenges</a:t>
+              <a:t>Design</a:t>
             </a:r>
             <a:endParaRPr lang="en-US" dirty="0"/>
           </a:p>
@@ -3383,12 +4220,81 @@
       </p:sp>
       <p:sp>
         <p:nvSpPr>
+          <p:cNvPr id="5" name="Content Placeholder 4"/>
+          <p:cNvSpPr>
+            <a:spLocks noGrp="1"/>
+          </p:cNvSpPr>
+          <p:nvPr>
+            <p:ph sz="half" idx="1"/>
+          </p:nvPr>
+        </p:nvSpPr>
+        <p:spPr/>
+        <p:txBody>
+          <a:bodyPr/>
+          <a:lstStyle/>
+          <a:p>
+            <a:r>
+              <a:rPr lang="en-US" dirty="0" smtClean="0"/>
+              <a:t>Front-end</a:t>
+            </a:r>
+          </a:p>
+          <a:p>
+            <a:pPr lvl="1"/>
+            <a:r>
+              <a:rPr lang="en-US" dirty="0" smtClean="0"/>
+              <a:t>Used </a:t>
+            </a:r>
+            <a:r>
+              <a:rPr lang="en-US" dirty="0" err="1" smtClean="0"/>
+              <a:t>Jquery</a:t>
+            </a:r>
+            <a:r>
+              <a:rPr lang="en-US" dirty="0" smtClean="0"/>
+              <a:t>, HTML, and CSS</a:t>
+            </a:r>
+            <a:r>
+              <a:rPr lang="en-US" dirty="0" smtClean="0"/>
+              <a:t> </a:t>
+            </a:r>
+            <a:r>
+              <a:rPr lang="en-US" dirty="0" smtClean="0"/>
+              <a:t>to design webpages</a:t>
+            </a:r>
+          </a:p>
+          <a:p>
+            <a:pPr lvl="1"/>
+            <a:r>
+              <a:rPr lang="en-US" dirty="0" smtClean="0"/>
+              <a:t>C</a:t>
+            </a:r>
+            <a:r>
+              <a:rPr lang="en-US" dirty="0" smtClean="0"/>
+              <a:t>reated </a:t>
+            </a:r>
+            <a:r>
+              <a:rPr lang="en-US" dirty="0" smtClean="0"/>
+              <a:t>and </a:t>
+            </a:r>
+            <a:r>
+              <a:rPr lang="en-US" dirty="0" smtClean="0"/>
+              <a:t>implemented </a:t>
+            </a:r>
+            <a:r>
+              <a:rPr lang="en-US" dirty="0" smtClean="0"/>
+              <a:t>site map to make the site user-friendly</a:t>
+            </a:r>
+            <a:endParaRPr lang="en-US" dirty="0"/>
+          </a:p>
+        </p:txBody>
+      </p:sp>
+      <p:sp>
+        <p:nvSpPr>
           <p:cNvPr id="6" name="Content Placeholder 5"/>
           <p:cNvSpPr>
             <a:spLocks noGrp="1"/>
           </p:cNvSpPr>
           <p:nvPr>
-            <p:ph idx="1"/>
+            <p:ph sz="half" idx="2"/>
           </p:nvPr>
         </p:nvSpPr>
         <p:spPr/>
@@ -3398,13 +4304,14 @@
           <a:p>
             <a:r>
               <a:rPr lang="en-US" dirty="0" smtClean="0"/>
-              <a:t>We only had  basic knowledge of HTML</a:t>
-            </a:r>
-          </a:p>
-          <a:p>
+              <a:t>Back-end</a:t>
+            </a:r>
+          </a:p>
+          <a:p>
+            <a:pPr lvl="1"/>
             <a:r>
               <a:rPr lang="en-US" dirty="0" smtClean="0"/>
-              <a:t>No </a:t>
+              <a:t>Used </a:t>
             </a:r>
             <a:r>
               <a:rPr lang="en-US" dirty="0" err="1" smtClean="0"/>
@@ -3412,22 +4319,18 @@
             </a:r>
             <a:r>
               <a:rPr lang="en-US" dirty="0" smtClean="0"/>
-              <a:t> database experience</a:t>
-            </a:r>
-          </a:p>
-          <a:p>
+              <a:t> and PHP to store and access items from the database</a:t>
+            </a:r>
+          </a:p>
+          <a:p>
+            <a:pPr lvl="1"/>
             <a:r>
               <a:rPr lang="en-US" dirty="0" smtClean="0"/>
-              <a:t>Had not coded extensively in PHP prior to this weekend</a:t>
-            </a:r>
-          </a:p>
-          <a:p>
-            <a:endParaRPr lang="en-US" dirty="0"/>
-          </a:p>
-          <a:p>
+              <a:t>Used hidden </a:t>
+            </a:r>
             <a:r>
               <a:rPr lang="en-US" dirty="0" smtClean="0"/>
-              <a:t>Special thanks to our mentors, Mike and Ely for keeping us on track!</a:t>
+              <a:t>MySQL commands inside PHP functions</a:t>
             </a:r>
             <a:endParaRPr lang="en-US" dirty="0"/>
           </a:p>
@@ -3438,12 +4341,30 @@
   <p:clrMapOvr>
     <a:masterClrMapping/>
   </p:clrMapOvr>
+  <p:timing>
+    <p:tnLst>
+      <p:par>
+        <p:cTn xmlns:p14="http://schemas.microsoft.com/office/powerpoint/2010/main" id="1" dur="indefinite" restart="never" nodeType="tmRoot"/>
+      </p:par>
+    </p:tnLst>
+  </p:timing>
 </p:sld>
 </file>
 
 <file path=ppt/slides/slide5.xml><?xml version="1.0" encoding="utf-8"?>
 <p:sld xmlns:a="http://schemas.openxmlformats.org/drawingml/2006/main" xmlns:r="http://schemas.openxmlformats.org/officeDocument/2006/relationships" xmlns:p="http://schemas.openxmlformats.org/presentationml/2006/main">
   <p:cSld>
+    <p:bg>
+      <p:bgPr>
+        <a:blipFill rotWithShape="1">
+          <a:blip r:embed="rId2"/>
+          <a:stretch>
+            <a:fillRect/>
+          </a:stretch>
+        </a:blipFill>
+        <a:effectLst/>
+      </p:bgPr>
+    </p:bg>
     <p:spTree>
       <p:nvGrpSpPr>
         <p:cNvPr id="1" name=""/>
@@ -3460,7 +4381,7 @@
       </p:grpSpPr>
       <p:sp>
         <p:nvSpPr>
-          <p:cNvPr id="2" name="Title 1"/>
+          <p:cNvPr id="5" name="Title 4"/>
           <p:cNvSpPr>
             <a:spLocks noGrp="1"/>
           </p:cNvSpPr>
@@ -3475,7 +4396,7 @@
           <a:p>
             <a:r>
               <a:rPr lang="en-US" dirty="0" smtClean="0"/>
-              <a:t>Future Improvements</a:t>
+              <a:t>Challenges</a:t>
             </a:r>
             <a:endParaRPr lang="en-US" dirty="0"/>
           </a:p>
@@ -3483,7 +4404,7 @@
       </p:sp>
       <p:sp>
         <p:nvSpPr>
-          <p:cNvPr id="3" name="Content Placeholder 2"/>
+          <p:cNvPr id="6" name="Content Placeholder 5"/>
           <p:cNvSpPr>
             <a:spLocks noGrp="1"/>
           </p:cNvSpPr>
@@ -3491,33 +4412,102 @@
             <p:ph idx="1"/>
           </p:nvPr>
         </p:nvSpPr>
-        <p:spPr/>
-        <p:txBody>
-          <a:bodyPr/>
-          <a:lstStyle/>
-          <a:p>
+        <p:spPr>
+          <a:xfrm>
+            <a:off x="685800" y="1981200"/>
+            <a:ext cx="7770813" cy="3124200"/>
+          </a:xfrm>
+        </p:spPr>
+        <p:txBody>
+          <a:bodyPr>
+            <a:normAutofit/>
+          </a:bodyPr>
+          <a:lstStyle/>
+          <a:p>
+            <a:r>
+              <a:rPr lang="en-US" dirty="0">
+                <a:solidFill>
+                  <a:srgbClr val="FF0000"/>
+                </a:solidFill>
+              </a:rPr>
+              <a:t>No</a:t>
+            </a:r>
+            <a:r>
+              <a:rPr lang="en-US" dirty="0"/>
+              <a:t> MySQL database </a:t>
+            </a:r>
             <a:r>
               <a:rPr lang="en-US" dirty="0" smtClean="0"/>
-              <a:t>Make an easy way for teachers to edit previous stories</a:t>
-            </a:r>
-          </a:p>
-          <a:p>
+              <a:t>experience</a:t>
+            </a:r>
+            <a:endParaRPr lang="en-US" dirty="0" smtClean="0"/>
+          </a:p>
+          <a:p>
+            <a:r>
+              <a:rPr lang="en-US" dirty="0">
+                <a:solidFill>
+                  <a:srgbClr val="FF0000"/>
+                </a:solidFill>
+              </a:rPr>
+              <a:t>B</a:t>
+            </a:r>
+            <a:r>
+              <a:rPr lang="en-US" dirty="0" smtClean="0">
+                <a:solidFill>
+                  <a:srgbClr val="FF0000"/>
+                </a:solidFill>
+              </a:rPr>
+              <a:t>asic</a:t>
+            </a:r>
             <a:r>
               <a:rPr lang="en-US" dirty="0" smtClean="0"/>
-              <a:t>More organized implementation of the back end</a:t>
-            </a:r>
-          </a:p>
-          <a:p>
+              <a:t> </a:t>
+            </a:r>
             <a:r>
               <a:rPr lang="en-US" dirty="0" smtClean="0"/>
-              <a:t>Way to add pictures to the stories</a:t>
-            </a:r>
-          </a:p>
-          <a:p>
+              <a:t>knowledge of </a:t>
+            </a:r>
             <a:r>
               <a:rPr lang="en-US" dirty="0" smtClean="0"/>
-              <a:t>Some kind of screen-reading functionality</a:t>
-            </a:r>
+              <a:t>HTML and CSS</a:t>
+            </a:r>
+            <a:endParaRPr lang="en-US" dirty="0" smtClean="0"/>
+          </a:p>
+          <a:p>
+            <a:r>
+              <a:rPr lang="en-US" dirty="0" smtClean="0">
+                <a:solidFill>
+                  <a:srgbClr val="FF0000"/>
+                </a:solidFill>
+              </a:rPr>
+              <a:t>Basic</a:t>
+            </a:r>
+            <a:r>
+              <a:rPr lang="en-US" dirty="0" smtClean="0"/>
+              <a:t> knowledge PHP</a:t>
+            </a:r>
+            <a:endParaRPr lang="en-US" dirty="0"/>
+          </a:p>
+          <a:p>
+            <a:r>
+              <a:rPr lang="en-US" dirty="0" smtClean="0">
+                <a:solidFill>
+                  <a:schemeClr val="accent5">
+                    <a:lumMod val="50000"/>
+                    <a:lumOff val="50000"/>
+                  </a:schemeClr>
+                </a:solidFill>
+              </a:rPr>
+              <a:t>Special thanks to our mentors, Mike and Ely for keeping us on track!</a:t>
+            </a:r>
+            <a:endParaRPr lang="en-US" dirty="0">
+              <a:solidFill>
+                <a:schemeClr val="accent5">
+                  <a:lumMod val="50000"/>
+                  <a:lumOff val="50000"/>
+                </a:schemeClr>
+              </a:solidFill>
+            </a:endParaRPr>
           </a:p>
         </p:txBody>
       </p:sp>
@@ -3526,12 +4516,30 @@
   <p:clrMapOvr>
     <a:masterClrMapping/>
   </p:clrMapOvr>
+  <p:timing>
+    <p:tnLst>
+      <p:par>
+        <p:cTn xmlns:p14="http://schemas.microsoft.com/office/powerpoint/2010/main" id="1" dur="indefinite" restart="never" nodeType="tmRoot"/>
+      </p:par>
+    </p:tnLst>
+  </p:timing>
 </p:sld>
 </file>
 
 <file path=ppt/slides/slide6.xml><?xml version="1.0" encoding="utf-8"?>
 <p:sld xmlns:a="http://schemas.openxmlformats.org/drawingml/2006/main" xmlns:r="http://schemas.openxmlformats.org/officeDocument/2006/relationships" xmlns:p="http://schemas.openxmlformats.org/presentationml/2006/main">
   <p:cSld>
+    <p:bg>
+      <p:bgPr>
+        <a:blipFill rotWithShape="1">
+          <a:blip r:embed="rId2"/>
+          <a:stretch>
+            <a:fillRect/>
+          </a:stretch>
+        </a:blipFill>
+        <a:effectLst/>
+      </p:bgPr>
+    </p:bg>
     <p:spTree>
       <p:nvGrpSpPr>
         <p:cNvPr id="1" name=""/>
@@ -3548,7 +4556,7 @@
       </p:grpSpPr>
       <p:sp>
         <p:nvSpPr>
-          <p:cNvPr id="5" name="Title 4"/>
+          <p:cNvPr id="2" name="Title 1"/>
           <p:cNvSpPr>
             <a:spLocks noGrp="1"/>
           </p:cNvSpPr>
@@ -3563,7 +4571,7 @@
           <a:p>
             <a:r>
               <a:rPr lang="en-US" dirty="0" smtClean="0"/>
-              <a:t>Demonstration</a:t>
+              <a:t>Future Improvements</a:t>
             </a:r>
             <a:endParaRPr lang="en-US" dirty="0"/>
           </a:p>
@@ -3571,7 +4579,7 @@
       </p:sp>
       <p:sp>
         <p:nvSpPr>
-          <p:cNvPr id="6" name="Content Placeholder 5"/>
+          <p:cNvPr id="3" name="Content Placeholder 2"/>
           <p:cNvSpPr>
             <a:spLocks noGrp="1"/>
           </p:cNvSpPr>
@@ -3581,10 +4589,61 @@
         </p:nvSpPr>
         <p:spPr/>
         <p:txBody>
-          <a:bodyPr/>
-          <a:lstStyle/>
-          <a:p>
-            <a:endParaRPr lang="en-US"/>
+          <a:bodyPr>
+            <a:normAutofit/>
+          </a:bodyPr>
+          <a:lstStyle/>
+          <a:p>
+            <a:r>
+              <a:rPr lang="en-US" dirty="0" smtClean="0"/>
+              <a:t>Front End (User Interface)</a:t>
+            </a:r>
+          </a:p>
+          <a:p>
+            <a:pPr lvl="1"/>
+            <a:r>
+              <a:rPr lang="en-US" dirty="0" smtClean="0"/>
+              <a:t>Let teachers </a:t>
+            </a:r>
+            <a:r>
+              <a:rPr lang="en-US" dirty="0" smtClean="0"/>
+              <a:t>to edit previous </a:t>
+            </a:r>
+            <a:r>
+              <a:rPr lang="en-US" dirty="0" smtClean="0"/>
+              <a:t>stories</a:t>
+            </a:r>
+          </a:p>
+          <a:p>
+            <a:pPr lvl="1"/>
+            <a:r>
+              <a:rPr lang="en-US" dirty="0" smtClean="0"/>
+              <a:t>Let teachers </a:t>
+            </a:r>
+            <a:r>
+              <a:rPr lang="en-US" dirty="0"/>
+              <a:t>add pictures to the stories</a:t>
+            </a:r>
+          </a:p>
+          <a:p>
+            <a:pPr lvl="1"/>
+            <a:r>
+              <a:rPr lang="en-US" dirty="0" smtClean="0"/>
+              <a:t>Screen-reading functionality</a:t>
+            </a:r>
+          </a:p>
+          <a:p>
+            <a:r>
+              <a:rPr lang="en-US" dirty="0" smtClean="0"/>
+              <a:t>Back End</a:t>
+            </a:r>
+          </a:p>
+          <a:p>
+            <a:pPr lvl="1"/>
+            <a:r>
+              <a:rPr lang="en-US" dirty="0" smtClean="0"/>
+              <a:t>Better organization</a:t>
+            </a:r>
           </a:p>
         </p:txBody>
       </p:sp>
@@ -3593,13 +4652,94 @@
   <p:clrMapOvr>
     <a:masterClrMapping/>
   </p:clrMapOvr>
+  <p:timing>
+    <p:tnLst>
+      <p:par>
+        <p:cTn xmlns:p14="http://schemas.microsoft.com/office/powerpoint/2010/main" id="1" dur="indefinite" restart="never" nodeType="tmRoot"/>
+      </p:par>
+    </p:tnLst>
+  </p:timing>
+</p:sld>
+</file>
+
+<file path=ppt/slides/slide7.xml><?xml version="1.0" encoding="utf-8"?>
+<p:sld xmlns:a="http://schemas.openxmlformats.org/drawingml/2006/main" xmlns:r="http://schemas.openxmlformats.org/officeDocument/2006/relationships" xmlns:p="http://schemas.openxmlformats.org/presentationml/2006/main">
+  <p:cSld>
+    <p:bg>
+      <p:bgPr>
+        <a:blipFill rotWithShape="1">
+          <a:blip r:embed="rId2"/>
+          <a:stretch>
+            <a:fillRect/>
+          </a:stretch>
+        </a:blipFill>
+        <a:effectLst/>
+      </p:bgPr>
+    </p:bg>
+    <p:spTree>
+      <p:nvGrpSpPr>
+        <p:cNvPr id="1" name=""/>
+        <p:cNvGrpSpPr/>
+        <p:nvPr/>
+      </p:nvGrpSpPr>
+      <p:grpSpPr>
+        <a:xfrm>
+          <a:off x="0" y="0"/>
+          <a:ext cx="0" cy="0"/>
+          <a:chOff x="0" y="0"/>
+          <a:chExt cx="0" cy="0"/>
+        </a:xfrm>
+      </p:grpSpPr>
+      <p:sp>
+        <p:nvSpPr>
+          <p:cNvPr id="5" name="Title 4"/>
+          <p:cNvSpPr>
+            <a:spLocks noGrp="1"/>
+          </p:cNvSpPr>
+          <p:nvPr>
+            <p:ph type="title"/>
+          </p:nvPr>
+        </p:nvSpPr>
+        <p:spPr/>
+        <p:txBody>
+          <a:bodyPr/>
+          <a:lstStyle/>
+          <a:p>
+            <a:r>
+              <a:rPr lang="en-US" dirty="0" smtClean="0"/>
+              <a:t>Demonstration</a:t>
+            </a:r>
+            <a:endParaRPr lang="en-US" dirty="0"/>
+          </a:p>
+        </p:txBody>
+      </p:sp>
+    </p:spTree>
+  </p:cSld>
+  <p:clrMapOvr>
+    <a:masterClrMapping/>
+  </p:clrMapOvr>
+  <mc:AlternateContent xmlns:mc="http://schemas.openxmlformats.org/markup-compatibility/2006">
+    <mc:Choice xmlns:p14="http://schemas.microsoft.com/office/powerpoint/2010/main" Requires="p14">
+      <p:transition p14:dur="0"/>
+    </mc:Choice>
+    <mc:Fallback>
+      <p:transition xmlns:p14="http://schemas.microsoft.com/office/powerpoint/2010/main"/>
+    </mc:Fallback>
+  </mc:AlternateContent>
+  <p:timing>
+    <p:tnLst>
+      <p:par>
+        <p:cTn xmlns:p14="http://schemas.microsoft.com/office/powerpoint/2010/main" id="1" dur="indefinite" restart="never" nodeType="tmRoot"/>
+      </p:par>
+    </p:tnLst>
+  </p:timing>
 </p:sld>
 </file>
 
 <file path=ppt/theme/theme1.xml><?xml version="1.0" encoding="utf-8"?>
-<a:theme xmlns:a="http://schemas.openxmlformats.org/drawingml/2006/main" name="Office Theme">
+<a:theme xmlns:a="http://schemas.openxmlformats.org/drawingml/2006/main" name="Folio">
   <a:themeElements>
-    <a:clrScheme name="Office">
+    <a:clrScheme name="Folio">
       <a:dk1>
         <a:sysClr val="windowText" lastClr="000000"/>
       </a:dk1>
@@ -3607,160 +4747,90 @@
         <a:sysClr val="window" lastClr="FFFFFF"/>
       </a:lt1>
       <a:dk2>
-        <a:srgbClr val="1F497D"/>
+        <a:srgbClr val="2D2F2B"/>
       </a:dk2>
       <a:lt2>
-        <a:srgbClr val="EEECE1"/>
+        <a:srgbClr val="DEDED7"/>
       </a:lt2>
       <a:accent1>
-        <a:srgbClr val="4F81BD"/>
+        <a:srgbClr val="294171"/>
       </a:accent1>
       <a:accent2>
-        <a:srgbClr val="C0504D"/>
+        <a:srgbClr val="748CBC"/>
       </a:accent2>
       <a:accent3>
-        <a:srgbClr val="9BBB59"/>
+        <a:srgbClr val="8E887C"/>
       </a:accent3>
       <a:accent4>
-        <a:srgbClr val="8064A2"/>
+        <a:srgbClr val="834736"/>
       </a:accent4>
       <a:accent5>
-        <a:srgbClr val="4BACC6"/>
+        <a:srgbClr val="5A1705"/>
       </a:accent5>
       <a:accent6>
-        <a:srgbClr val="F79646"/>
+        <a:srgbClr val="A0A16A"/>
       </a:accent6>
       <a:hlink>
-        <a:srgbClr val="0000FF"/>
+        <a:srgbClr val="74B6BC"/>
       </a:hlink>
       <a:folHlink>
-        <a:srgbClr val="800080"/>
+        <a:srgbClr val="7F95A4"/>
       </a:folHlink>
     </a:clrScheme>
-    <a:fontScheme name="Office">
+    <a:fontScheme name="Folio">
       <a:majorFont>
-        <a:latin typeface="Calibri"/>
+        <a:latin typeface="Calisto MT"/>
         <a:ea typeface=""/>
         <a:cs typeface=""/>
-        <a:font script="Jpan" typeface="ＭＳ Ｐゴシック"/>
-        <a:font script="Hang" typeface="맑은 고딕"/>
-        <a:font script="Hans" typeface="宋体"/>
-        <a:font script="Hant" typeface="新細明體"/>
-        <a:font script="Arab" typeface="Times New Roman"/>
-        <a:font script="Hebr" typeface="Times New Roman"/>
-        <a:font script="Thai" typeface="Angsana New"/>
-        <a:font script="Ethi" typeface="Nyala"/>
-        <a:font script="Beng" typeface="Vrinda"/>
-        <a:font script="Gujr" typeface="Shruti"/>
-        <a:font script="Khmr" typeface="MoolBoran"/>
-        <a:font script="Knda" typeface="Tunga"/>
-        <a:font script="Guru" typeface="Raavi"/>
-        <a:font script="Cans" typeface="Euphemia"/>
-        <a:font script="Cher" typeface="Plantagenet Cherokee"/>
-        <a:font script="Yiii" typeface="Microsoft Yi Baiti"/>
-        <a:font script="Tibt" typeface="Microsoft Himalaya"/>
-        <a:font script="Thaa" typeface="MV Boli"/>
-        <a:font script="Deva" typeface="Mangal"/>
-        <a:font script="Telu" typeface="Gautami"/>
-        <a:font script="Taml" typeface="Latha"/>
-        <a:font script="Syrc" typeface="Estrangelo Edessa"/>
-        <a:font script="Orya" typeface="Kalinga"/>
-        <a:font script="Mlym" typeface="Kartika"/>
-        <a:font script="Laoo" typeface="DokChampa"/>
-        <a:font script="Sinh" typeface="Iskoola Pota"/>
-        <a:font script="Mong" typeface="Mongolian Baiti"/>
-        <a:font script="Viet" typeface="Times New Roman"/>
-        <a:font script="Uigh" typeface="Microsoft Uighur"/>
+        <a:font script="Jpan" typeface="ＭＳ 明朝"/>
       </a:majorFont>
       <a:minorFont>
-        <a:latin typeface="Calibri"/>
+        <a:latin typeface="Calisto MT"/>
         <a:ea typeface=""/>
         <a:cs typeface=""/>
-        <a:font script="Jpan" typeface="ＭＳ Ｐゴシック"/>
-        <a:font script="Hang" typeface="맑은 고딕"/>
-        <a:font script="Hans" typeface="宋体"/>
-        <a:font script="Hant" typeface="新細明體"/>
-        <a:font script="Arab" typeface="Arial"/>
-        <a:font script="Hebr" typeface="Arial"/>
-        <a:font script="Thai" typeface="Cordia New"/>
-        <a:font script="Ethi" typeface="Nyala"/>
-        <a:font script="Beng" typeface="Vrinda"/>
-        <a:font script="Gujr" typeface="Shruti"/>
-        <a:font script="Khmr" typeface="DaunPenh"/>
-        <a:font script="Knda" typeface="Tunga"/>
-        <a:font script="Guru" typeface="Raavi"/>
-        <a:font script="Cans" typeface="Euphemia"/>
-        <a:font script="Cher" typeface="Plantagenet Cherokee"/>
-        <a:font script="Yiii" typeface="Microsoft Yi Baiti"/>
-        <a:font script="Tibt" typeface="Microsoft Himalaya"/>
-        <a:font script="Thaa" typeface="MV Boli"/>
-        <a:font script="Deva" typeface="Mangal"/>
-        <a:font script="Telu" typeface="Gautami"/>
-        <a:font script="Taml" typeface="Latha"/>
-        <a:font script="Syrc" typeface="Estrangelo Edessa"/>
-        <a:font script="Orya" typeface="Kalinga"/>
-        <a:font script="Mlym" typeface="Kartika"/>
-        <a:font script="Laoo" typeface="DokChampa"/>
-        <a:font script="Sinh" typeface="Iskoola Pota"/>
-        <a:font script="Mong" typeface="Mongolian Baiti"/>
-        <a:font script="Viet" typeface="Arial"/>
-        <a:font script="Uigh" typeface="Microsoft Uighur"/>
+        <a:font script="Jpan" typeface="ＭＳ 明朝"/>
       </a:minorFont>
     </a:fontScheme>
-    <a:fmtScheme name="Office">
+    <a:fmtScheme name="Folio">
       <a:fillStyleLst>
         <a:solidFill>
           <a:schemeClr val="phClr"/>
         </a:solidFill>
-        <a:gradFill rotWithShape="1">
-          <a:gsLst>
-            <a:gs pos="0">
+        <a:blipFill rotWithShape="1">
+          <a:blip xmlns:r="http://schemas.openxmlformats.org/officeDocument/2006/relationships" r:embed="rId1">
+            <a:duotone>
               <a:schemeClr val="phClr">
-                <a:tint val="50000"/>
+                <a:shade val="30000"/>
+                <a:satMod val="120000"/>
+              </a:schemeClr>
+              <a:schemeClr val="phClr">
+                <a:tint val="70000"/>
+                <a:satMod val="350000"/>
+                <a:lumMod val="110000"/>
+              </a:schemeClr>
+            </a:duotone>
+          </a:blip>
+          <a:stretch/>
+        </a:blipFill>
+        <a:blipFill rotWithShape="1">
+          <a:blip xmlns:r="http://schemas.openxmlformats.org/officeDocument/2006/relationships" r:embed="rId2">
+            <a:duotone>
+              <a:schemeClr val="phClr">
+                <a:shade val="40000"/>
+                <a:satMod val="120000"/>
+              </a:schemeClr>
+              <a:schemeClr val="phClr">
+                <a:tint val="70000"/>
                 <a:satMod val="300000"/>
+                <a:lumMod val="110000"/>
               </a:schemeClr>
-            </a:gs>
-            <a:gs pos="35000">
-              <a:schemeClr val="phClr">
-                <a:tint val="37000"/>
-                <a:satMod val="300000"/>
-              </a:schemeClr>
-            </a:gs>
-            <a:gs pos="100000">
-              <a:schemeClr val="phClr">
-                <a:tint val="15000"/>
-                <a:satMod val="350000"/>
-              </a:schemeClr>
-            </a:gs>
-          </a:gsLst>
-          <a:lin ang="16200000" scaled="1"/>
-        </a:gradFill>
-        <a:gradFill rotWithShape="1">
-          <a:gsLst>
-            <a:gs pos="0">
-              <a:schemeClr val="phClr">
-                <a:shade val="51000"/>
-                <a:satMod val="130000"/>
-              </a:schemeClr>
-            </a:gs>
-            <a:gs pos="80000">
-              <a:schemeClr val="phClr">
-                <a:shade val="93000"/>
-                <a:satMod val="130000"/>
-              </a:schemeClr>
-            </a:gs>
-            <a:gs pos="100000">
-              <a:schemeClr val="phClr">
-                <a:shade val="94000"/>
-                <a:satMod val="135000"/>
-              </a:schemeClr>
-            </a:gs>
-          </a:gsLst>
-          <a:lin ang="16200000" scaled="0"/>
-        </a:gradFill>
+            </a:duotone>
+          </a:blip>
+          <a:tile tx="0" ty="0" sx="50000" sy="50000" flip="none" algn="tl"/>
+        </a:blipFill>
       </a:fillStyleLst>
       <a:lnStyleLst>
-        <a:ln w="9525" cap="flat" cmpd="sng" algn="ctr">
+        <a:ln w="12700" cap="flat" cmpd="sng" algn="ctr">
           <a:solidFill>
             <a:schemeClr val="phClr">
               <a:shade val="95000"/>
@@ -3769,7 +4839,7 @@
           </a:solidFill>
           <a:prstDash val="solid"/>
         </a:ln>
-        <a:ln w="25400" cap="flat" cmpd="sng" algn="ctr">
+        <a:ln w="31750" cap="flat" cmpd="sng" algn="ctr">
           <a:solidFill>
             <a:schemeClr val="phClr"/>
           </a:solidFill>
@@ -3794,87 +4864,119 @@
         </a:effectStyle>
         <a:effectStyle>
           <a:effectLst>
-            <a:outerShdw blurRad="40000" dist="23000" dir="5400000" rotWithShape="0">
+            <a:outerShdw blurRad="38100" dist="25400" dir="5400000" algn="br" rotWithShape="0">
               <a:srgbClr val="000000">
-                <a:alpha val="35000"/>
+                <a:alpha val="50000"/>
               </a:srgbClr>
             </a:outerShdw>
           </a:effectLst>
         </a:effectStyle>
         <a:effectStyle>
           <a:effectLst>
-            <a:outerShdw blurRad="40000" dist="23000" dir="5400000" rotWithShape="0">
+            <a:innerShdw blurRad="190500" dist="25400">
               <a:srgbClr val="000000">
-                <a:alpha val="35000"/>
+                <a:alpha val="50000"/>
               </a:srgbClr>
-            </a:outerShdw>
+            </a:innerShdw>
           </a:effectLst>
-          <a:scene3d>
-            <a:camera prst="orthographicFront">
-              <a:rot lat="0" lon="0" rev="0"/>
-            </a:camera>
-            <a:lightRig rig="threePt" dir="t">
-              <a:rot lat="0" lon="0" rev="1200000"/>
-            </a:lightRig>
-          </a:scene3d>
-          <a:sp3d>
-            <a:bevelT w="63500" h="25400"/>
-          </a:sp3d>
         </a:effectStyle>
       </a:effectStyleLst>
       <a:bgFillStyleLst>
-        <a:solidFill>
-          <a:schemeClr val="phClr"/>
-        </a:solidFill>
-        <a:gradFill rotWithShape="1">
-          <a:gsLst>
-            <a:gs pos="0">
+        <a:blipFill rotWithShape="1">
+          <a:blip xmlns:r="http://schemas.openxmlformats.org/officeDocument/2006/relationships" r:embed="rId3">
+            <a:duotone>
               <a:schemeClr val="phClr">
-                <a:tint val="40000"/>
+                <a:shade val="10000"/>
+                <a:satMod val="125000"/>
+              </a:schemeClr>
+              <a:schemeClr val="phClr">
+                <a:tint val="70000"/>
                 <a:satMod val="350000"/>
+                <a:lumMod val="110000"/>
               </a:schemeClr>
-            </a:gs>
-            <a:gs pos="40000">
+            </a:duotone>
+          </a:blip>
+          <a:stretch/>
+        </a:blipFill>
+        <a:blipFill rotWithShape="1">
+          <a:blip xmlns:r="http://schemas.openxmlformats.org/officeDocument/2006/relationships" r:embed="rId4">
+            <a:duotone>
               <a:schemeClr val="phClr">
-                <a:tint val="45000"/>
-                <a:shade val="99000"/>
+                <a:shade val="10000"/>
+                <a:satMod val="125000"/>
+              </a:schemeClr>
+              <a:schemeClr val="phClr">
+                <a:tint val="70000"/>
                 <a:satMod val="350000"/>
+                <a:lumMod val="110000"/>
               </a:schemeClr>
-            </a:gs>
-            <a:gs pos="100000">
+            </a:duotone>
+          </a:blip>
+          <a:stretch/>
+        </a:blipFill>
+        <a:blipFill rotWithShape="1">
+          <a:blip xmlns:r="http://schemas.openxmlformats.org/officeDocument/2006/relationships" r:embed="rId5">
+            <a:duotone>
               <a:schemeClr val="phClr">
-                <a:shade val="20000"/>
-                <a:satMod val="255000"/>
+                <a:shade val="3000"/>
+                <a:lumMod val="10000"/>
               </a:schemeClr>
-            </a:gs>
-          </a:gsLst>
-          <a:path path="circle">
-            <a:fillToRect l="50000" t="-80000" r="50000" b="180000"/>
-          </a:path>
-        </a:gradFill>
-        <a:gradFill rotWithShape="1">
-          <a:gsLst>
-            <a:gs pos="0">
               <a:schemeClr val="phClr">
-                <a:tint val="80000"/>
-                <a:satMod val="300000"/>
+                <a:tint val="91000"/>
+                <a:satMod val="500000"/>
+                <a:lumMod val="125000"/>
               </a:schemeClr>
-            </a:gs>
-            <a:gs pos="100000">
-              <a:schemeClr val="phClr">
-                <a:shade val="30000"/>
-                <a:satMod val="200000"/>
-              </a:schemeClr>
-            </a:gs>
-          </a:gsLst>
-          <a:path path="circle">
-            <a:fillToRect l="50000" t="50000" r="50000" b="50000"/>
-          </a:path>
-        </a:gradFill>
+            </a:duotone>
+          </a:blip>
+          <a:stretch/>
+        </a:blipFill>
       </a:bgFillStyleLst>
     </a:fmtScheme>
   </a:themeElements>
-  <a:objectDefaults/>
+  <a:objectDefaults>
+    <a:spDef>
+      <a:spPr/>
+      <a:bodyPr rtlCol="0" anchor="ctr"/>
+      <a:lstStyle>
+        <a:defPPr algn="ctr">
+          <a:defRPr/>
+        </a:defPPr>
+      </a:lstStyle>
+      <a:style>
+        <a:lnRef idx="1">
+          <a:schemeClr val="accent1"/>
+        </a:lnRef>
+        <a:fillRef idx="3">
+          <a:schemeClr val="accent1"/>
+        </a:fillRef>
+        <a:effectRef idx="2">
+          <a:schemeClr val="accent1"/>
+        </a:effectRef>
+        <a:fontRef idx="minor">
+          <a:schemeClr val="lt1"/>
+        </a:fontRef>
+      </a:style>
+    </a:spDef>
+    <a:lnDef>
+      <a:spPr/>
+      <a:bodyPr/>
+      <a:lstStyle/>
+      <a:style>
+        <a:lnRef idx="2">
+          <a:schemeClr val="accent1"/>
+        </a:lnRef>
+        <a:fillRef idx="0">
+          <a:schemeClr val="accent1"/>
+        </a:fillRef>
+        <a:effectRef idx="1">
+          <a:schemeClr val="accent1"/>
+        </a:effectRef>
+        <a:fontRef idx="minor">
+          <a:schemeClr val="tx1"/>
+        </a:fontRef>
+      </a:style>
+    </a:lnDef>
+  </a:objectDefaults>
   <a:extraClrSchemeLst/>
 </a:theme>
 </file>